--- a/Summer Olympics - EDA.pptx
+++ b/Summer Olympics - EDA.pptx
@@ -10,12 +10,24 @@
     <p:sldId id="258" r:id="rId4"/>
     <p:sldId id="259" r:id="rId5"/>
     <p:sldId id="260" r:id="rId6"/>
-    <p:sldId id="261" r:id="rId7"/>
-    <p:sldId id="262" r:id="rId8"/>
-    <p:sldId id="263" r:id="rId9"/>
-    <p:sldId id="264" r:id="rId10"/>
-    <p:sldId id="265" r:id="rId11"/>
-    <p:sldId id="266" r:id="rId12"/>
+    <p:sldId id="273" r:id="rId7"/>
+    <p:sldId id="261" r:id="rId8"/>
+    <p:sldId id="262" r:id="rId9"/>
+    <p:sldId id="263" r:id="rId10"/>
+    <p:sldId id="264" r:id="rId11"/>
+    <p:sldId id="265" r:id="rId12"/>
+    <p:sldId id="272" r:id="rId13"/>
+    <p:sldId id="267" r:id="rId14"/>
+    <p:sldId id="268" r:id="rId15"/>
+    <p:sldId id="274" r:id="rId16"/>
+    <p:sldId id="275" r:id="rId17"/>
+    <p:sldId id="269" r:id="rId18"/>
+    <p:sldId id="270" r:id="rId19"/>
+    <p:sldId id="271" r:id="rId20"/>
+    <p:sldId id="278" r:id="rId21"/>
+    <p:sldId id="279" r:id="rId22"/>
+    <p:sldId id="277" r:id="rId23"/>
+    <p:sldId id="276" r:id="rId24"/>
   </p:sldIdLst>
   <p:sldSz cx="12192000" cy="6858000"/>
   <p:notesSz cx="6858000" cy="9144000"/>
@@ -1506,8 +1518,8 @@
             </a:lnSpc>
           </a:pPr>
           <a:r>
-            <a:rPr lang="en-US"/>
-            <a:t>Indian Performance in Olympics History</a:t>
+            <a:rPr lang="en-US" dirty="0"/>
+            <a:t>India Performance in Olympics History</a:t>
           </a:r>
         </a:p>
       </dgm:t>
@@ -1547,8 +1559,8 @@
             </a:lnSpc>
           </a:pPr>
           <a:r>
-            <a:rPr lang="en-US"/>
-            <a:t>Top 10 Athlete  </a:t>
+            <a:rPr lang="en-US" dirty="0"/>
+            <a:t>Top 10 - Men and Women Athlete </a:t>
           </a:r>
         </a:p>
       </dgm:t>
@@ -3124,8 +3136,8 @@
             <a:buNone/>
           </a:pPr>
           <a:r>
-            <a:rPr lang="en-US" sz="1600" kern="1200"/>
-            <a:t>Indian Performance in Olympics History</a:t>
+            <a:rPr lang="en-US" sz="1600" kern="1200" dirty="0"/>
+            <a:t>India Performance in Olympics History</a:t>
           </a:r>
         </a:p>
       </dsp:txBody>
@@ -3275,8 +3287,8 @@
             <a:buNone/>
           </a:pPr>
           <a:r>
-            <a:rPr lang="en-US" sz="1600" kern="1200"/>
-            <a:t>Top 10 Athlete  </a:t>
+            <a:rPr lang="en-US" sz="1600" kern="1200" dirty="0"/>
+            <a:t>Top 10 - Men and Women Athlete </a:t>
           </a:r>
         </a:p>
       </dsp:txBody>
@@ -4764,7 +4776,7 @@
           <a:p>
             <a:fld id="{CBAF65A5-BFF5-4864-84AD-1D344FDECEC7}" type="datetimeFigureOut">
               <a:rPr lang="en-US" smtClean="0"/>
-              <a:t>8/27/2019</a:t>
+              <a:t>8/31/2019</a:t>
             </a:fld>
             <a:endParaRPr lang="en-US"/>
           </a:p>
@@ -4962,7 +4974,7 @@
           <a:p>
             <a:fld id="{CBAF65A5-BFF5-4864-84AD-1D344FDECEC7}" type="datetimeFigureOut">
               <a:rPr lang="en-US" smtClean="0"/>
-              <a:t>8/27/2019</a:t>
+              <a:t>8/31/2019</a:t>
             </a:fld>
             <a:endParaRPr lang="en-US"/>
           </a:p>
@@ -5170,7 +5182,7 @@
           <a:p>
             <a:fld id="{CBAF65A5-BFF5-4864-84AD-1D344FDECEC7}" type="datetimeFigureOut">
               <a:rPr lang="en-US" smtClean="0"/>
-              <a:t>8/27/2019</a:t>
+              <a:t>8/31/2019</a:t>
             </a:fld>
             <a:endParaRPr lang="en-US"/>
           </a:p>
@@ -5368,7 +5380,7 @@
           <a:p>
             <a:fld id="{CBAF65A5-BFF5-4864-84AD-1D344FDECEC7}" type="datetimeFigureOut">
               <a:rPr lang="en-US" smtClean="0"/>
-              <a:t>8/27/2019</a:t>
+              <a:t>8/31/2019</a:t>
             </a:fld>
             <a:endParaRPr lang="en-US"/>
           </a:p>
@@ -5643,7 +5655,7 @@
           <a:p>
             <a:fld id="{CBAF65A5-BFF5-4864-84AD-1D344FDECEC7}" type="datetimeFigureOut">
               <a:rPr lang="en-US" smtClean="0"/>
-              <a:t>8/27/2019</a:t>
+              <a:t>8/31/2019</a:t>
             </a:fld>
             <a:endParaRPr lang="en-US"/>
           </a:p>
@@ -5908,7 +5920,7 @@
           <a:p>
             <a:fld id="{CBAF65A5-BFF5-4864-84AD-1D344FDECEC7}" type="datetimeFigureOut">
               <a:rPr lang="en-US" smtClean="0"/>
-              <a:t>8/27/2019</a:t>
+              <a:t>8/31/2019</a:t>
             </a:fld>
             <a:endParaRPr lang="en-US"/>
           </a:p>
@@ -6320,7 +6332,7 @@
           <a:p>
             <a:fld id="{CBAF65A5-BFF5-4864-84AD-1D344FDECEC7}" type="datetimeFigureOut">
               <a:rPr lang="en-US" smtClean="0"/>
-              <a:t>8/27/2019</a:t>
+              <a:t>8/31/2019</a:t>
             </a:fld>
             <a:endParaRPr lang="en-US"/>
           </a:p>
@@ -6461,7 +6473,7 @@
           <a:p>
             <a:fld id="{CBAF65A5-BFF5-4864-84AD-1D344FDECEC7}" type="datetimeFigureOut">
               <a:rPr lang="en-US" smtClean="0"/>
-              <a:t>8/27/2019</a:t>
+              <a:t>8/31/2019</a:t>
             </a:fld>
             <a:endParaRPr lang="en-US"/>
           </a:p>
@@ -6574,7 +6586,7 @@
           <a:p>
             <a:fld id="{CBAF65A5-BFF5-4864-84AD-1D344FDECEC7}" type="datetimeFigureOut">
               <a:rPr lang="en-US" smtClean="0"/>
-              <a:t>8/27/2019</a:t>
+              <a:t>8/31/2019</a:t>
             </a:fld>
             <a:endParaRPr lang="en-US"/>
           </a:p>
@@ -6885,7 +6897,7 @@
           <a:p>
             <a:fld id="{CBAF65A5-BFF5-4864-84AD-1D344FDECEC7}" type="datetimeFigureOut">
               <a:rPr lang="en-US" smtClean="0"/>
-              <a:t>8/27/2019</a:t>
+              <a:t>8/31/2019</a:t>
             </a:fld>
             <a:endParaRPr lang="en-US"/>
           </a:p>
@@ -7173,7 +7185,7 @@
           <a:p>
             <a:fld id="{CBAF65A5-BFF5-4864-84AD-1D344FDECEC7}" type="datetimeFigureOut">
               <a:rPr lang="en-US" smtClean="0"/>
-              <a:t>8/27/2019</a:t>
+              <a:t>8/31/2019</a:t>
             </a:fld>
             <a:endParaRPr lang="en-US"/>
           </a:p>
@@ -7414,7 +7426,7 @@
           <a:p>
             <a:fld id="{CBAF65A5-BFF5-4864-84AD-1D344FDECEC7}" type="datetimeFigureOut">
               <a:rPr lang="en-US" smtClean="0"/>
-              <a:t>8/27/2019</a:t>
+              <a:t>8/31/2019</a:t>
             </a:fld>
             <a:endParaRPr lang="en-US"/>
           </a:p>
@@ -8001,6 +8013,76 @@
           </a:prstGeom>
         </p:spPr>
       </p:pic>
+      <p:sp>
+        <p:nvSpPr>
+          <p:cNvPr id="2" name="TextBox 1">
+            <a:extLst>
+              <a:ext uri="{FF2B5EF4-FFF2-40B4-BE49-F238E27FC236}">
+                <a16:creationId xmlns:a16="http://schemas.microsoft.com/office/drawing/2014/main" id="{9B01FDAB-22F8-453B-9616-C003F055D508}"/>
+              </a:ext>
+            </a:extLst>
+          </p:cNvPr>
+          <p:cNvSpPr txBox="1"/>
+          <p:nvPr/>
+        </p:nvSpPr>
+        <p:spPr>
+          <a:xfrm>
+            <a:off x="6881247" y="6356681"/>
+            <a:ext cx="5072247" cy="523220"/>
+          </a:xfrm>
+          <a:prstGeom prst="rect">
+            <a:avLst/>
+          </a:prstGeom>
+          <a:noFill/>
+        </p:spPr>
+        <p:txBody>
+          <a:bodyPr wrap="square" rtlCol="0">
+            <a:spAutoFit/>
+          </a:bodyPr>
+          <a:lstStyle/>
+          <a:p>
+            <a:r>
+              <a:rPr lang="en-US" sz="2800" dirty="0"/>
+              <a:t>Prepared By : Harjeet Kaur</a:t>
+            </a:r>
+          </a:p>
+        </p:txBody>
+      </p:sp>
+      <p:sp>
+        <p:nvSpPr>
+          <p:cNvPr id="3" name="TextBox 2">
+            <a:extLst>
+              <a:ext uri="{FF2B5EF4-FFF2-40B4-BE49-F238E27FC236}">
+                <a16:creationId xmlns:a16="http://schemas.microsoft.com/office/drawing/2014/main" id="{CC4B17DA-AAA2-4842-9D45-F4D8F849FE59}"/>
+              </a:ext>
+            </a:extLst>
+          </p:cNvPr>
+          <p:cNvSpPr txBox="1"/>
+          <p:nvPr/>
+        </p:nvSpPr>
+        <p:spPr>
+          <a:xfrm>
+            <a:off x="540803" y="501319"/>
+            <a:ext cx="4200041" cy="523220"/>
+          </a:xfrm>
+          <a:prstGeom prst="rect">
+            <a:avLst/>
+          </a:prstGeom>
+          <a:noFill/>
+        </p:spPr>
+        <p:txBody>
+          <a:bodyPr wrap="square" rtlCol="0">
+            <a:spAutoFit/>
+          </a:bodyPr>
+          <a:lstStyle/>
+          <a:p>
+            <a:r>
+              <a:rPr lang="en-US" sz="2800" dirty="0"/>
+              <a:t>EDA – Summer Olympics</a:t>
+            </a:r>
+          </a:p>
+        </p:txBody>
+      </p:sp>
     </p:spTree>
     <p:extLst>
       <p:ext uri="{BB962C8B-B14F-4D97-AF65-F5344CB8AC3E}">
@@ -8015,6 +8097,2253 @@
 </file>
 
 <file path=ppt/slides/slide10.xml><?xml version="1.0" encoding="utf-8"?>
+<p:sld xmlns:a="http://schemas.openxmlformats.org/drawingml/2006/main" xmlns:r="http://schemas.openxmlformats.org/officeDocument/2006/relationships" xmlns:p="http://schemas.openxmlformats.org/presentationml/2006/main">
+  <p:cSld>
+    <p:bg>
+      <p:bgPr>
+        <a:solidFill>
+          <a:schemeClr val="bg1"/>
+        </a:solidFill>
+        <a:effectLst/>
+      </p:bgPr>
+    </p:bg>
+    <p:spTree>
+      <p:nvGrpSpPr>
+        <p:cNvPr id="1" name=""/>
+        <p:cNvGrpSpPr/>
+        <p:nvPr/>
+      </p:nvGrpSpPr>
+      <p:grpSpPr>
+        <a:xfrm>
+          <a:off x="0" y="0"/>
+          <a:ext cx="0" cy="0"/>
+          <a:chOff x="0" y="0"/>
+          <a:chExt cx="0" cy="0"/>
+        </a:xfrm>
+      </p:grpSpPr>
+      <p:pic>
+        <p:nvPicPr>
+          <p:cNvPr id="5" name="Content Placeholder 4" descr="A screenshot of a computer&#10;&#10;Description automatically generated">
+            <a:extLst>
+              <a:ext uri="{FF2B5EF4-FFF2-40B4-BE49-F238E27FC236}">
+                <a16:creationId xmlns:a16="http://schemas.microsoft.com/office/drawing/2014/main" id="{EA54220E-32BF-4BEE-B73D-F9EA055546F0}"/>
+              </a:ext>
+            </a:extLst>
+          </p:cNvPr>
+          <p:cNvPicPr>
+            <a:picLocks noGrp="1" noChangeAspect="1"/>
+          </p:cNvPicPr>
+          <p:nvPr>
+            <p:ph idx="1"/>
+          </p:nvPr>
+        </p:nvPicPr>
+        <p:blipFill rotWithShape="1">
+          <a:blip r:embed="rId2">
+            <a:extLst>
+              <a:ext uri="{28A0092B-C50C-407E-A947-70E740481C1C}">
+                <a14:useLocalDpi xmlns:a14="http://schemas.microsoft.com/office/drawing/2010/main" val="0"/>
+              </a:ext>
+            </a:extLst>
+          </a:blip>
+          <a:srcRect r="14752"/>
+          <a:stretch/>
+        </p:blipFill>
+        <p:spPr>
+          <a:xfrm>
+            <a:off x="1504951" y="0"/>
+            <a:ext cx="10687049" cy="6724650"/>
+          </a:xfrm>
+          <a:prstGeom prst="rect">
+            <a:avLst/>
+          </a:prstGeom>
+        </p:spPr>
+      </p:pic>
+      <p:sp>
+        <p:nvSpPr>
+          <p:cNvPr id="6" name="TextBox 5">
+            <a:extLst>
+              <a:ext uri="{FF2B5EF4-FFF2-40B4-BE49-F238E27FC236}">
+                <a16:creationId xmlns:a16="http://schemas.microsoft.com/office/drawing/2014/main" id="{47D6EB83-2724-4DC5-9398-A4B8EEA213D8}"/>
+              </a:ext>
+            </a:extLst>
+          </p:cNvPr>
+          <p:cNvSpPr txBox="1"/>
+          <p:nvPr/>
+        </p:nvSpPr>
+        <p:spPr>
+          <a:xfrm>
+            <a:off x="185738" y="614363"/>
+            <a:ext cx="1871662" cy="5909310"/>
+          </a:xfrm>
+          <a:prstGeom prst="rect">
+            <a:avLst/>
+          </a:prstGeom>
+          <a:noFill/>
+        </p:spPr>
+        <p:txBody>
+          <a:bodyPr wrap="square" rtlCol="0">
+            <a:spAutoFit/>
+          </a:bodyPr>
+          <a:lstStyle/>
+          <a:p>
+            <a:r>
+              <a:rPr lang="en-US" dirty="0"/>
+              <a:t>Total number of Gold </a:t>
+            </a:r>
+            <a:r>
+              <a:rPr lang="en-US" dirty="0" err="1"/>
+              <a:t>Silver,Bronze</a:t>
+            </a:r>
+            <a:r>
+              <a:rPr lang="en-US" dirty="0"/>
+              <a:t> medal won over the Olympic history:-</a:t>
+            </a:r>
+          </a:p>
+          <a:p>
+            <a:endParaRPr lang="en-US" dirty="0"/>
+          </a:p>
+          <a:p>
+            <a:pPr marL="342900" indent="-342900">
+              <a:buAutoNum type="arabicPeriod"/>
+            </a:pPr>
+            <a:r>
+              <a:rPr lang="en-US" dirty="0"/>
+              <a:t>Around 500 Gold medal won in 1920</a:t>
+            </a:r>
+          </a:p>
+          <a:p>
+            <a:pPr marL="342900" indent="-342900">
+              <a:buAutoNum type="arabicPeriod"/>
+            </a:pPr>
+            <a:r>
+              <a:rPr lang="en-US" dirty="0"/>
+              <a:t>From 1976 , more than 400 medals has won each year.</a:t>
+            </a:r>
+          </a:p>
+          <a:p>
+            <a:pPr marL="342900" indent="-342900">
+              <a:buAutoNum type="arabicPeriod"/>
+            </a:pPr>
+            <a:r>
+              <a:rPr lang="en-US" dirty="0"/>
+              <a:t>Medal crossed 700 mark in year 2008</a:t>
+            </a:r>
+          </a:p>
+          <a:p>
+            <a:pPr marL="342900" indent="-342900">
+              <a:buAutoNum type="arabicPeriod"/>
+            </a:pPr>
+            <a:r>
+              <a:rPr lang="en-US" dirty="0"/>
+              <a:t>Highly positive trend.</a:t>
+            </a:r>
+          </a:p>
+          <a:p>
+            <a:pPr marL="342900" indent="-342900">
+              <a:buAutoNum type="arabicPeriod"/>
+            </a:pPr>
+            <a:endParaRPr lang="en-US" dirty="0"/>
+          </a:p>
+        </p:txBody>
+      </p:sp>
+    </p:spTree>
+    <p:extLst>
+      <p:ext uri="{BB962C8B-B14F-4D97-AF65-F5344CB8AC3E}">
+        <p14:creationId xmlns:p14="http://schemas.microsoft.com/office/powerpoint/2010/main" val="4197370519"/>
+      </p:ext>
+    </p:extLst>
+  </p:cSld>
+  <p:clrMapOvr>
+    <a:masterClrMapping/>
+  </p:clrMapOvr>
+</p:sld>
+</file>
+
+<file path=ppt/slides/slide11.xml><?xml version="1.0" encoding="utf-8"?>
+<p:sld xmlns:a="http://schemas.openxmlformats.org/drawingml/2006/main" xmlns:r="http://schemas.openxmlformats.org/officeDocument/2006/relationships" xmlns:p="http://schemas.openxmlformats.org/presentationml/2006/main">
+  <p:cSld>
+    <p:bg>
+      <p:bgPr>
+        <a:solidFill>
+          <a:schemeClr val="bg1"/>
+        </a:solidFill>
+        <a:effectLst/>
+      </p:bgPr>
+    </p:bg>
+    <p:spTree>
+      <p:nvGrpSpPr>
+        <p:cNvPr id="1" name=""/>
+        <p:cNvGrpSpPr/>
+        <p:nvPr/>
+      </p:nvGrpSpPr>
+      <p:grpSpPr>
+        <a:xfrm>
+          <a:off x="0" y="0"/>
+          <a:ext cx="0" cy="0"/>
+          <a:chOff x="0" y="0"/>
+          <a:chExt cx="0" cy="0"/>
+        </a:xfrm>
+      </p:grpSpPr>
+      <p:sp>
+        <p:nvSpPr>
+          <p:cNvPr id="10" name="Rectangle 9">
+            <a:extLst>
+              <a:ext uri="{FF2B5EF4-FFF2-40B4-BE49-F238E27FC236}">
+                <a16:creationId xmlns:a16="http://schemas.microsoft.com/office/drawing/2014/main" id="{6753252F-4873-4F63-801D-CC719279A7D5}"/>
+              </a:ext>
+              <a:ext uri="{C183D7F6-B498-43B3-948B-1728B52AA6E4}">
+                <adec:decorative xmlns:adec="http://schemas.microsoft.com/office/drawing/2017/decorative" val="1"/>
+              </a:ext>
+            </a:extLst>
+          </p:cNvPr>
+          <p:cNvSpPr>
+            <a:spLocks noGrp="1" noRot="1" noChangeAspect="1" noMove="1" noResize="1" noEditPoints="1" noAdjustHandles="1" noChangeArrowheads="1" noChangeShapeType="1" noTextEdit="1"/>
+          </p:cNvSpPr>
+          <p:nvPr>
+            <p:extLst>
+              <p:ext uri="{386F3935-93C4-4BCD-93E2-E3B085C9AB24}">
+                <p16:designElem xmlns:p16="http://schemas.microsoft.com/office/powerpoint/2015/main" val="1"/>
+              </p:ext>
+            </p:extLst>
+          </p:nvPr>
+        </p:nvSpPr>
+        <p:spPr>
+          <a:xfrm>
+            <a:off x="0" y="0"/>
+            <a:ext cx="12192000" cy="6858000"/>
+          </a:xfrm>
+          <a:prstGeom prst="rect">
+            <a:avLst/>
+          </a:prstGeom>
+          <a:solidFill>
+            <a:srgbClr val="FFFFFF"/>
+          </a:solidFill>
+          <a:ln>
+            <a:noFill/>
+          </a:ln>
+        </p:spPr>
+        <p:style>
+          <a:lnRef idx="2">
+            <a:schemeClr val="accent1">
+              <a:shade val="50000"/>
+            </a:schemeClr>
+          </a:lnRef>
+          <a:fillRef idx="1">
+            <a:schemeClr val="accent1"/>
+          </a:fillRef>
+          <a:effectRef idx="0">
+            <a:schemeClr val="accent1"/>
+          </a:effectRef>
+          <a:fontRef idx="minor">
+            <a:schemeClr val="lt1"/>
+          </a:fontRef>
+        </p:style>
+        <p:txBody>
+          <a:bodyPr rtlCol="0" anchor="ctr"/>
+          <a:lstStyle/>
+          <a:p>
+            <a:pPr algn="ctr"/>
+            <a:endParaRPr lang="en-US"/>
+          </a:p>
+        </p:txBody>
+      </p:sp>
+      <p:sp>
+        <p:nvSpPr>
+          <p:cNvPr id="12" name="Rectangle 11">
+            <a:extLst>
+              <a:ext uri="{FF2B5EF4-FFF2-40B4-BE49-F238E27FC236}">
+                <a16:creationId xmlns:a16="http://schemas.microsoft.com/office/drawing/2014/main" id="{047C8CCB-F95D-4249-92DD-651249D3535A}"/>
+              </a:ext>
+              <a:ext uri="{C183D7F6-B498-43B3-948B-1728B52AA6E4}">
+                <adec:decorative xmlns:adec="http://schemas.microsoft.com/office/drawing/2017/decorative" val="1"/>
+              </a:ext>
+            </a:extLst>
+          </p:cNvPr>
+          <p:cNvSpPr>
+            <a:spLocks noGrp="1" noRot="1" noChangeAspect="1" noMove="1" noResize="1" noEditPoints="1" noAdjustHandles="1" noChangeArrowheads="1" noChangeShapeType="1" noTextEdit="1"/>
+          </p:cNvSpPr>
+          <p:nvPr>
+            <p:extLst>
+              <p:ext uri="{386F3935-93C4-4BCD-93E2-E3B085C9AB24}">
+                <p16:designElem xmlns:p16="http://schemas.microsoft.com/office/powerpoint/2015/main" val="1"/>
+              </p:ext>
+            </p:extLst>
+          </p:nvPr>
+        </p:nvSpPr>
+        <p:spPr>
+          <a:xfrm>
+            <a:off x="0" y="0"/>
+            <a:ext cx="2013557" cy="6858000"/>
+          </a:xfrm>
+          <a:prstGeom prst="rect">
+            <a:avLst/>
+          </a:prstGeom>
+          <a:solidFill>
+            <a:srgbClr val="7F7F7F"/>
+          </a:solidFill>
+          <a:ln>
+            <a:noFill/>
+          </a:ln>
+        </p:spPr>
+        <p:style>
+          <a:lnRef idx="2">
+            <a:schemeClr val="accent1">
+              <a:shade val="50000"/>
+            </a:schemeClr>
+          </a:lnRef>
+          <a:fillRef idx="1">
+            <a:schemeClr val="accent1"/>
+          </a:fillRef>
+          <a:effectRef idx="0">
+            <a:schemeClr val="accent1"/>
+          </a:effectRef>
+          <a:fontRef idx="minor">
+            <a:schemeClr val="lt1"/>
+          </a:fontRef>
+        </p:style>
+        <p:txBody>
+          <a:bodyPr rtlCol="0" anchor="ctr"/>
+          <a:lstStyle/>
+          <a:p>
+            <a:pPr algn="ctr"/>
+            <a:endParaRPr lang="en-US"/>
+          </a:p>
+        </p:txBody>
+      </p:sp>
+      <p:sp>
+        <p:nvSpPr>
+          <p:cNvPr id="2" name="Title 1">
+            <a:extLst>
+              <a:ext uri="{FF2B5EF4-FFF2-40B4-BE49-F238E27FC236}">
+                <a16:creationId xmlns:a16="http://schemas.microsoft.com/office/drawing/2014/main" id="{75363E3E-348B-47A9-BDC3-D7017C28DC19}"/>
+              </a:ext>
+            </a:extLst>
+          </p:cNvPr>
+          <p:cNvSpPr>
+            <a:spLocks noGrp="1"/>
+          </p:cNvSpPr>
+          <p:nvPr>
+            <p:ph type="title"/>
+          </p:nvPr>
+        </p:nvSpPr>
+        <p:spPr>
+          <a:xfrm>
+            <a:off x="543483" y="1483830"/>
+            <a:ext cx="3208436" cy="3890339"/>
+          </a:xfrm>
+          <a:prstGeom prst="ellipse">
+            <a:avLst/>
+          </a:prstGeom>
+          <a:solidFill>
+            <a:srgbClr val="262626"/>
+          </a:solidFill>
+          <a:ln w="174625" cmpd="thinThick">
+            <a:solidFill>
+              <a:srgbClr val="262626"/>
+            </a:solidFill>
+          </a:ln>
+        </p:spPr>
+        <p:txBody>
+          <a:bodyPr vert="horz" lIns="91440" tIns="45720" rIns="91440" bIns="45720" rtlCol="0" anchor="ctr">
+            <a:normAutofit fontScale="90000"/>
+          </a:bodyPr>
+          <a:lstStyle/>
+          <a:p>
+            <a:pPr algn="ctr"/>
+            <a:r>
+              <a:rPr lang="en-US" sz="2600" kern="1200" dirty="0">
+                <a:solidFill>
+                  <a:srgbClr val="FFFFFF"/>
+                </a:solidFill>
+                <a:latin typeface="+mj-lt"/>
+                <a:ea typeface="+mj-ea"/>
+                <a:cs typeface="+mj-cs"/>
+              </a:rPr>
+              <a:t>Sports AND Discipline added over the years</a:t>
+            </a:r>
+            <a:br>
+              <a:rPr lang="en-US" sz="2600" kern="1200" dirty="0">
+                <a:solidFill>
+                  <a:srgbClr val="FFFFFF"/>
+                </a:solidFill>
+                <a:latin typeface="+mj-lt"/>
+                <a:ea typeface="+mj-ea"/>
+                <a:cs typeface="+mj-cs"/>
+              </a:rPr>
+            </a:br>
+            <a:br>
+              <a:rPr lang="en-US" sz="2600" kern="1200" dirty="0">
+                <a:solidFill>
+                  <a:srgbClr val="FFFFFF"/>
+                </a:solidFill>
+                <a:latin typeface="+mj-lt"/>
+                <a:ea typeface="+mj-ea"/>
+                <a:cs typeface="+mj-cs"/>
+              </a:rPr>
+            </a:br>
+            <a:r>
+              <a:rPr lang="en-US" sz="2600" kern="1200" dirty="0">
+                <a:solidFill>
+                  <a:srgbClr val="FFFFFF"/>
+                </a:solidFill>
+                <a:latin typeface="+mj-lt"/>
+                <a:ea typeface="+mj-ea"/>
+                <a:cs typeface="+mj-cs"/>
+              </a:rPr>
+              <a:t>Canoe and Triathlon has recently added in Olympics	</a:t>
+            </a:r>
+          </a:p>
+        </p:txBody>
+      </p:sp>
+      <p:pic>
+        <p:nvPicPr>
+          <p:cNvPr id="15" name="Content Placeholder 14" descr="A picture containing sky&#10;&#10;Description automatically generated">
+            <a:extLst>
+              <a:ext uri="{FF2B5EF4-FFF2-40B4-BE49-F238E27FC236}">
+                <a16:creationId xmlns:a16="http://schemas.microsoft.com/office/drawing/2014/main" id="{ABA57D78-1346-4041-BA07-C24B420C5995}"/>
+              </a:ext>
+            </a:extLst>
+          </p:cNvPr>
+          <p:cNvPicPr>
+            <a:picLocks noGrp="1" noChangeAspect="1"/>
+          </p:cNvPicPr>
+          <p:nvPr>
+            <p:ph idx="1"/>
+          </p:nvPr>
+        </p:nvPicPr>
+        <p:blipFill>
+          <a:blip r:embed="rId2">
+            <a:extLst>
+              <a:ext uri="{28A0092B-C50C-407E-A947-70E740481C1C}">
+                <a14:useLocalDpi xmlns:a14="http://schemas.microsoft.com/office/drawing/2010/main" val="0"/>
+              </a:ext>
+            </a:extLst>
+          </a:blip>
+          <a:stretch>
+            <a:fillRect/>
+          </a:stretch>
+        </p:blipFill>
+        <p:spPr>
+          <a:xfrm>
+            <a:off x="4216512" y="-393896"/>
+            <a:ext cx="7975488" cy="7385615"/>
+          </a:xfrm>
+        </p:spPr>
+      </p:pic>
+    </p:spTree>
+    <p:extLst>
+      <p:ext uri="{BB962C8B-B14F-4D97-AF65-F5344CB8AC3E}">
+        <p14:creationId xmlns:p14="http://schemas.microsoft.com/office/powerpoint/2010/main" val="2496132233"/>
+      </p:ext>
+    </p:extLst>
+  </p:cSld>
+  <p:clrMapOvr>
+    <a:masterClrMapping/>
+  </p:clrMapOvr>
+</p:sld>
+</file>
+
+<file path=ppt/slides/slide12.xml><?xml version="1.0" encoding="utf-8"?>
+<p:sld xmlns:a="http://schemas.openxmlformats.org/drawingml/2006/main" xmlns:r="http://schemas.openxmlformats.org/officeDocument/2006/relationships" xmlns:p="http://schemas.openxmlformats.org/presentationml/2006/main">
+  <p:cSld>
+    <p:bg>
+      <p:bgPr>
+        <a:solidFill>
+          <a:schemeClr val="bg1"/>
+        </a:solidFill>
+        <a:effectLst/>
+      </p:bgPr>
+    </p:bg>
+    <p:spTree>
+      <p:nvGrpSpPr>
+        <p:cNvPr id="1" name=""/>
+        <p:cNvGrpSpPr/>
+        <p:nvPr/>
+      </p:nvGrpSpPr>
+      <p:grpSpPr>
+        <a:xfrm>
+          <a:off x="0" y="0"/>
+          <a:ext cx="0" cy="0"/>
+          <a:chOff x="0" y="0"/>
+          <a:chExt cx="0" cy="0"/>
+        </a:xfrm>
+      </p:grpSpPr>
+      <p:sp>
+        <p:nvSpPr>
+          <p:cNvPr id="2" name="Title 1">
+            <a:extLst>
+              <a:ext uri="{FF2B5EF4-FFF2-40B4-BE49-F238E27FC236}">
+                <a16:creationId xmlns:a16="http://schemas.microsoft.com/office/drawing/2014/main" id="{CA37C534-2F28-4CCF-87EA-E4BB287F6C04}"/>
+              </a:ext>
+            </a:extLst>
+          </p:cNvPr>
+          <p:cNvSpPr>
+            <a:spLocks noGrp="1"/>
+          </p:cNvSpPr>
+          <p:nvPr>
+            <p:ph type="title"/>
+          </p:nvPr>
+        </p:nvSpPr>
+        <p:spPr>
+          <a:xfrm>
+            <a:off x="648929" y="629266"/>
+            <a:ext cx="3651467" cy="1676603"/>
+          </a:xfrm>
+        </p:spPr>
+        <p:txBody>
+          <a:bodyPr>
+            <a:normAutofit/>
+          </a:bodyPr>
+          <a:lstStyle/>
+          <a:p>
+            <a:r>
+              <a:rPr lang="en-US" sz="3200" b="1" dirty="0"/>
+              <a:t>Number of Events per Sport in each Year </a:t>
+            </a:r>
+          </a:p>
+        </p:txBody>
+      </p:sp>
+      <p:sp>
+        <p:nvSpPr>
+          <p:cNvPr id="14" name="Content Placeholder 8">
+            <a:extLst>
+              <a:ext uri="{FF2B5EF4-FFF2-40B4-BE49-F238E27FC236}">
+                <a16:creationId xmlns:a16="http://schemas.microsoft.com/office/drawing/2014/main" id="{23CD3F81-DE5D-419A-BD79-F361CC8BAA3D}"/>
+              </a:ext>
+            </a:extLst>
+          </p:cNvPr>
+          <p:cNvSpPr>
+            <a:spLocks noGrp="1"/>
+          </p:cNvSpPr>
+          <p:nvPr>
+            <p:ph idx="1"/>
+          </p:nvPr>
+        </p:nvSpPr>
+        <p:spPr>
+          <a:xfrm>
+            <a:off x="648931" y="2438400"/>
+            <a:ext cx="3651466" cy="3785419"/>
+          </a:xfrm>
+        </p:spPr>
+        <p:txBody>
+          <a:bodyPr>
+            <a:normAutofit/>
+          </a:bodyPr>
+          <a:lstStyle/>
+          <a:p>
+            <a:r>
+              <a:rPr lang="en-US" dirty="0"/>
+              <a:t>Athletics and Aquatic host maximum number of events. </a:t>
+            </a:r>
+          </a:p>
+        </p:txBody>
+      </p:sp>
+      <p:pic>
+        <p:nvPicPr>
+          <p:cNvPr id="5" name="Content Placeholder 4">
+            <a:extLst>
+              <a:ext uri="{FF2B5EF4-FFF2-40B4-BE49-F238E27FC236}">
+                <a16:creationId xmlns:a16="http://schemas.microsoft.com/office/drawing/2014/main" id="{0DDE7BA1-E054-4953-AE2D-CBA24BACE107}"/>
+              </a:ext>
+            </a:extLst>
+          </p:cNvPr>
+          <p:cNvPicPr>
+            <a:picLocks noChangeAspect="1"/>
+          </p:cNvPicPr>
+          <p:nvPr/>
+        </p:nvPicPr>
+        <p:blipFill rotWithShape="1">
+          <a:blip r:embed="rId2">
+            <a:extLst>
+              <a:ext uri="{28A0092B-C50C-407E-A947-70E740481C1C}">
+                <a14:useLocalDpi xmlns:a14="http://schemas.microsoft.com/office/drawing/2010/main" val="0"/>
+              </a:ext>
+            </a:extLst>
+          </a:blip>
+          <a:srcRect t="5790" r="-2" b="3410"/>
+          <a:stretch/>
+        </p:blipFill>
+        <p:spPr>
+          <a:xfrm>
+            <a:off x="4639056" y="10"/>
+            <a:ext cx="7552944" cy="6857990"/>
+          </a:xfrm>
+          <a:prstGeom prst="rect">
+            <a:avLst/>
+          </a:prstGeom>
+          <a:effectLst/>
+        </p:spPr>
+      </p:pic>
+    </p:spTree>
+    <p:extLst>
+      <p:ext uri="{BB962C8B-B14F-4D97-AF65-F5344CB8AC3E}">
+        <p14:creationId xmlns:p14="http://schemas.microsoft.com/office/powerpoint/2010/main" val="1467645510"/>
+      </p:ext>
+    </p:extLst>
+  </p:cSld>
+  <p:clrMapOvr>
+    <a:masterClrMapping/>
+  </p:clrMapOvr>
+</p:sld>
+</file>
+
+<file path=ppt/slides/slide13.xml><?xml version="1.0" encoding="utf-8"?>
+<p:sld xmlns:a="http://schemas.openxmlformats.org/drawingml/2006/main" xmlns:r="http://schemas.openxmlformats.org/officeDocument/2006/relationships" xmlns:p="http://schemas.openxmlformats.org/presentationml/2006/main">
+  <p:cSld>
+    <p:bg>
+      <p:bgPr>
+        <a:solidFill>
+          <a:schemeClr val="bg1"/>
+        </a:solidFill>
+        <a:effectLst/>
+      </p:bgPr>
+    </p:bg>
+    <p:spTree>
+      <p:nvGrpSpPr>
+        <p:cNvPr id="1" name=""/>
+        <p:cNvGrpSpPr/>
+        <p:nvPr/>
+      </p:nvGrpSpPr>
+      <p:grpSpPr>
+        <a:xfrm>
+          <a:off x="0" y="0"/>
+          <a:ext cx="0" cy="0"/>
+          <a:chOff x="0" y="0"/>
+          <a:chExt cx="0" cy="0"/>
+        </a:xfrm>
+      </p:grpSpPr>
+      <p:sp>
+        <p:nvSpPr>
+          <p:cNvPr id="17" name="Rectangle 16">
+            <a:extLst>
+              <a:ext uri="{FF2B5EF4-FFF2-40B4-BE49-F238E27FC236}">
+                <a16:creationId xmlns:a16="http://schemas.microsoft.com/office/drawing/2014/main" id="{6753252F-4873-4F63-801D-CC719279A7D5}"/>
+              </a:ext>
+              <a:ext uri="{C183D7F6-B498-43B3-948B-1728B52AA6E4}">
+                <adec:decorative xmlns:adec="http://schemas.microsoft.com/office/drawing/2017/decorative" val="1"/>
+              </a:ext>
+            </a:extLst>
+          </p:cNvPr>
+          <p:cNvSpPr>
+            <a:spLocks noGrp="1" noRot="1" noChangeAspect="1" noMove="1" noResize="1" noEditPoints="1" noAdjustHandles="1" noChangeArrowheads="1" noChangeShapeType="1" noTextEdit="1"/>
+          </p:cNvSpPr>
+          <p:nvPr>
+            <p:extLst>
+              <p:ext uri="{386F3935-93C4-4BCD-93E2-E3B085C9AB24}">
+                <p16:designElem xmlns:p16="http://schemas.microsoft.com/office/powerpoint/2015/main" val="1"/>
+              </p:ext>
+            </p:extLst>
+          </p:nvPr>
+        </p:nvSpPr>
+        <p:spPr>
+          <a:xfrm>
+            <a:off x="0" y="0"/>
+            <a:ext cx="12192000" cy="6858000"/>
+          </a:xfrm>
+          <a:prstGeom prst="rect">
+            <a:avLst/>
+          </a:prstGeom>
+          <a:solidFill>
+            <a:srgbClr val="FFFFFF"/>
+          </a:solidFill>
+          <a:ln>
+            <a:noFill/>
+          </a:ln>
+        </p:spPr>
+        <p:style>
+          <a:lnRef idx="2">
+            <a:schemeClr val="accent1">
+              <a:shade val="50000"/>
+            </a:schemeClr>
+          </a:lnRef>
+          <a:fillRef idx="1">
+            <a:schemeClr val="accent1"/>
+          </a:fillRef>
+          <a:effectRef idx="0">
+            <a:schemeClr val="accent1"/>
+          </a:effectRef>
+          <a:fontRef idx="minor">
+            <a:schemeClr val="lt1"/>
+          </a:fontRef>
+        </p:style>
+        <p:txBody>
+          <a:bodyPr rtlCol="0" anchor="ctr"/>
+          <a:lstStyle/>
+          <a:p>
+            <a:pPr algn="ctr"/>
+            <a:endParaRPr lang="en-US"/>
+          </a:p>
+        </p:txBody>
+      </p:sp>
+      <p:sp>
+        <p:nvSpPr>
+          <p:cNvPr id="19" name="Rectangle 18">
+            <a:extLst>
+              <a:ext uri="{FF2B5EF4-FFF2-40B4-BE49-F238E27FC236}">
+                <a16:creationId xmlns:a16="http://schemas.microsoft.com/office/drawing/2014/main" id="{047C8CCB-F95D-4249-92DD-651249D3535A}"/>
+              </a:ext>
+              <a:ext uri="{C183D7F6-B498-43B3-948B-1728B52AA6E4}">
+                <adec:decorative xmlns:adec="http://schemas.microsoft.com/office/drawing/2017/decorative" val="1"/>
+              </a:ext>
+            </a:extLst>
+          </p:cNvPr>
+          <p:cNvSpPr>
+            <a:spLocks noGrp="1" noRot="1" noChangeAspect="1" noMove="1" noResize="1" noEditPoints="1" noAdjustHandles="1" noChangeArrowheads="1" noChangeShapeType="1" noTextEdit="1"/>
+          </p:cNvSpPr>
+          <p:nvPr>
+            <p:extLst>
+              <p:ext uri="{386F3935-93C4-4BCD-93E2-E3B085C9AB24}">
+                <p16:designElem xmlns:p16="http://schemas.microsoft.com/office/powerpoint/2015/main" val="1"/>
+              </p:ext>
+            </p:extLst>
+          </p:nvPr>
+        </p:nvSpPr>
+        <p:spPr>
+          <a:xfrm>
+            <a:off x="0" y="0"/>
+            <a:ext cx="2013557" cy="6858000"/>
+          </a:xfrm>
+          <a:prstGeom prst="rect">
+            <a:avLst/>
+          </a:prstGeom>
+          <a:solidFill>
+            <a:srgbClr val="7F7F7F"/>
+          </a:solidFill>
+          <a:ln>
+            <a:noFill/>
+          </a:ln>
+        </p:spPr>
+        <p:style>
+          <a:lnRef idx="2">
+            <a:schemeClr val="accent1">
+              <a:shade val="50000"/>
+            </a:schemeClr>
+          </a:lnRef>
+          <a:fillRef idx="1">
+            <a:schemeClr val="accent1"/>
+          </a:fillRef>
+          <a:effectRef idx="0">
+            <a:schemeClr val="accent1"/>
+          </a:effectRef>
+          <a:fontRef idx="minor">
+            <a:schemeClr val="lt1"/>
+          </a:fontRef>
+        </p:style>
+        <p:txBody>
+          <a:bodyPr rtlCol="0" anchor="ctr"/>
+          <a:lstStyle/>
+          <a:p>
+            <a:pPr algn="ctr"/>
+            <a:endParaRPr lang="en-US"/>
+          </a:p>
+        </p:txBody>
+      </p:sp>
+      <p:sp>
+        <p:nvSpPr>
+          <p:cNvPr id="2" name="Title 1">
+            <a:extLst>
+              <a:ext uri="{FF2B5EF4-FFF2-40B4-BE49-F238E27FC236}">
+                <a16:creationId xmlns:a16="http://schemas.microsoft.com/office/drawing/2014/main" id="{163E3066-EADC-4C99-975D-53E01A6AA0EC}"/>
+              </a:ext>
+            </a:extLst>
+          </p:cNvPr>
+          <p:cNvSpPr>
+            <a:spLocks noGrp="1"/>
+          </p:cNvSpPr>
+          <p:nvPr>
+            <p:ph type="title"/>
+          </p:nvPr>
+        </p:nvSpPr>
+        <p:spPr>
+          <a:xfrm>
+            <a:off x="426975" y="2045789"/>
+            <a:ext cx="3446145" cy="3097712"/>
+          </a:xfrm>
+          <a:prstGeom prst="ellipse">
+            <a:avLst/>
+          </a:prstGeom>
+          <a:solidFill>
+            <a:srgbClr val="262626"/>
+          </a:solidFill>
+          <a:ln w="174625" cmpd="thinThick">
+            <a:solidFill>
+              <a:srgbClr val="262626"/>
+            </a:solidFill>
+          </a:ln>
+        </p:spPr>
+        <p:txBody>
+          <a:bodyPr vert="horz" lIns="91440" tIns="45720" rIns="91440" bIns="45720" rtlCol="0" anchor="ctr">
+            <a:normAutofit fontScale="90000"/>
+          </a:bodyPr>
+          <a:lstStyle/>
+          <a:p>
+            <a:pPr algn="ctr"/>
+            <a:r>
+              <a:rPr lang="en-US" sz="2200" kern="1200" dirty="0">
+                <a:solidFill>
+                  <a:srgbClr val="FFFFFF"/>
+                </a:solidFill>
+                <a:latin typeface="+mj-lt"/>
+                <a:ea typeface="+mj-ea"/>
+                <a:cs typeface="+mj-cs"/>
+              </a:rPr>
+              <a:t>1.Men Athlete are dominating in participation.</a:t>
+            </a:r>
+            <a:br>
+              <a:rPr lang="en-US" sz="2200" kern="1200" dirty="0">
+                <a:solidFill>
+                  <a:srgbClr val="FFFFFF"/>
+                </a:solidFill>
+                <a:latin typeface="+mj-lt"/>
+                <a:ea typeface="+mj-ea"/>
+                <a:cs typeface="+mj-cs"/>
+              </a:rPr>
+            </a:br>
+            <a:br>
+              <a:rPr lang="en-US" sz="2200" kern="1200" dirty="0">
+                <a:solidFill>
+                  <a:srgbClr val="FFFFFF"/>
+                </a:solidFill>
+                <a:latin typeface="+mj-lt"/>
+                <a:ea typeface="+mj-ea"/>
+                <a:cs typeface="+mj-cs"/>
+              </a:rPr>
+            </a:br>
+            <a:r>
+              <a:rPr lang="en-US" sz="2200" kern="1200" dirty="0">
+                <a:solidFill>
+                  <a:srgbClr val="FFFFFF"/>
+                </a:solidFill>
+                <a:latin typeface="+mj-lt"/>
+                <a:ea typeface="+mj-ea"/>
+                <a:cs typeface="+mj-cs"/>
+              </a:rPr>
+              <a:t>2. Women participation increasing over time and may surpass the men in near future.	</a:t>
+            </a:r>
+          </a:p>
+        </p:txBody>
+      </p:sp>
+      <p:pic>
+        <p:nvPicPr>
+          <p:cNvPr id="5" name="Content Placeholder 4">
+            <a:extLst>
+              <a:ext uri="{FF2B5EF4-FFF2-40B4-BE49-F238E27FC236}">
+                <a16:creationId xmlns:a16="http://schemas.microsoft.com/office/drawing/2014/main" id="{BD2F43C8-D0BB-47DD-B9CC-B7E7202323C9}"/>
+              </a:ext>
+            </a:extLst>
+          </p:cNvPr>
+          <p:cNvPicPr>
+            <a:picLocks noGrp="1" noChangeAspect="1"/>
+          </p:cNvPicPr>
+          <p:nvPr>
+            <p:ph idx="1"/>
+          </p:nvPr>
+        </p:nvPicPr>
+        <p:blipFill>
+          <a:blip r:embed="rId2">
+            <a:extLst>
+              <a:ext uri="{28A0092B-C50C-407E-A947-70E740481C1C}">
+                <a14:useLocalDpi xmlns:a14="http://schemas.microsoft.com/office/drawing/2010/main" val="0"/>
+              </a:ext>
+            </a:extLst>
+          </a:blip>
+          <a:stretch>
+            <a:fillRect/>
+          </a:stretch>
+        </p:blipFill>
+        <p:spPr>
+          <a:xfrm>
+            <a:off x="4086224" y="0"/>
+            <a:ext cx="8378757" cy="6858000"/>
+          </a:xfrm>
+          <a:prstGeom prst="rect">
+            <a:avLst/>
+          </a:prstGeom>
+        </p:spPr>
+      </p:pic>
+    </p:spTree>
+    <p:extLst>
+      <p:ext uri="{BB962C8B-B14F-4D97-AF65-F5344CB8AC3E}">
+        <p14:creationId xmlns:p14="http://schemas.microsoft.com/office/powerpoint/2010/main" val="1197523839"/>
+      </p:ext>
+    </p:extLst>
+  </p:cSld>
+  <p:clrMapOvr>
+    <a:masterClrMapping/>
+  </p:clrMapOvr>
+</p:sld>
+</file>
+
+<file path=ppt/slides/slide14.xml><?xml version="1.0" encoding="utf-8"?>
+<p:sld xmlns:a="http://schemas.openxmlformats.org/drawingml/2006/main" xmlns:r="http://schemas.openxmlformats.org/officeDocument/2006/relationships" xmlns:p="http://schemas.openxmlformats.org/presentationml/2006/main">
+  <p:cSld>
+    <p:bg>
+      <p:bgPr>
+        <a:solidFill>
+          <a:schemeClr val="bg1"/>
+        </a:solidFill>
+        <a:effectLst/>
+      </p:bgPr>
+    </p:bg>
+    <p:spTree>
+      <p:nvGrpSpPr>
+        <p:cNvPr id="1" name=""/>
+        <p:cNvGrpSpPr/>
+        <p:nvPr/>
+      </p:nvGrpSpPr>
+      <p:grpSpPr>
+        <a:xfrm>
+          <a:off x="0" y="0"/>
+          <a:ext cx="0" cy="0"/>
+          <a:chOff x="0" y="0"/>
+          <a:chExt cx="0" cy="0"/>
+        </a:xfrm>
+      </p:grpSpPr>
+      <p:sp>
+        <p:nvSpPr>
+          <p:cNvPr id="10" name="Rectangle 9">
+            <a:extLst>
+              <a:ext uri="{FF2B5EF4-FFF2-40B4-BE49-F238E27FC236}">
+                <a16:creationId xmlns:a16="http://schemas.microsoft.com/office/drawing/2014/main" id="{AB45A142-4255-493C-8284-5D566C121B10}"/>
+              </a:ext>
+              <a:ext uri="{C183D7F6-B498-43B3-948B-1728B52AA6E4}">
+                <adec:decorative xmlns:adec="http://schemas.microsoft.com/office/drawing/2017/decorative" val="1"/>
+              </a:ext>
+            </a:extLst>
+          </p:cNvPr>
+          <p:cNvSpPr>
+            <a:spLocks noGrp="1" noRot="1" noChangeAspect="1" noMove="1" noResize="1" noEditPoints="1" noAdjustHandles="1" noChangeArrowheads="1" noChangeShapeType="1" noTextEdit="1"/>
+          </p:cNvSpPr>
+          <p:nvPr>
+            <p:extLst>
+              <p:ext uri="{386F3935-93C4-4BCD-93E2-E3B085C9AB24}">
+                <p16:designElem xmlns:p16="http://schemas.microsoft.com/office/powerpoint/2015/main" val="1"/>
+              </p:ext>
+            </p:extLst>
+          </p:nvPr>
+        </p:nvSpPr>
+        <p:spPr bwMode="ltGray">
+          <a:xfrm>
+            <a:off x="336884" y="321177"/>
+            <a:ext cx="4332307" cy="6179552"/>
+          </a:xfrm>
+          <a:prstGeom prst="rect">
+            <a:avLst/>
+          </a:prstGeom>
+          <a:solidFill>
+            <a:srgbClr val="404040">
+              <a:alpha val="89804"/>
+            </a:srgbClr>
+          </a:solidFill>
+          <a:ln w="127000" cap="sq" cmpd="thinThick">
+            <a:solidFill>
+              <a:srgbClr val="595959">
+                <a:alpha val="80000"/>
+              </a:srgbClr>
+            </a:solidFill>
+          </a:ln>
+        </p:spPr>
+        <p:style>
+          <a:lnRef idx="2">
+            <a:schemeClr val="accent1">
+              <a:shade val="50000"/>
+            </a:schemeClr>
+          </a:lnRef>
+          <a:fillRef idx="1">
+            <a:schemeClr val="accent1"/>
+          </a:fillRef>
+          <a:effectRef idx="0">
+            <a:schemeClr val="accent1"/>
+          </a:effectRef>
+          <a:fontRef idx="minor">
+            <a:schemeClr val="lt1"/>
+          </a:fontRef>
+        </p:style>
+        <p:txBody>
+          <a:bodyPr rtlCol="0" anchor="ctr"/>
+          <a:lstStyle/>
+          <a:p>
+            <a:pPr algn="ctr"/>
+            <a:endParaRPr lang="en-US"/>
+          </a:p>
+        </p:txBody>
+      </p:sp>
+      <p:sp>
+        <p:nvSpPr>
+          <p:cNvPr id="2" name="Title 1">
+            <a:extLst>
+              <a:ext uri="{FF2B5EF4-FFF2-40B4-BE49-F238E27FC236}">
+                <a16:creationId xmlns:a16="http://schemas.microsoft.com/office/drawing/2014/main" id="{7893C87E-A881-4E9B-AF0E-435CA2C143D2}"/>
+              </a:ext>
+            </a:extLst>
+          </p:cNvPr>
+          <p:cNvSpPr>
+            <a:spLocks noGrp="1"/>
+          </p:cNvSpPr>
+          <p:nvPr>
+            <p:ph type="title"/>
+          </p:nvPr>
+        </p:nvSpPr>
+        <p:spPr>
+          <a:xfrm>
+            <a:off x="598230" y="3891528"/>
+            <a:ext cx="3657600" cy="1228724"/>
+          </a:xfrm>
+        </p:spPr>
+        <p:txBody>
+          <a:bodyPr vert="horz" lIns="91440" tIns="45720" rIns="91440" bIns="45720" rtlCol="0" anchor="b">
+            <a:normAutofit fontScale="90000"/>
+          </a:bodyPr>
+          <a:lstStyle/>
+          <a:p>
+            <a:pPr algn="ctr"/>
+            <a:r>
+              <a:rPr lang="en-US" sz="2400" kern="1200" dirty="0">
+                <a:solidFill>
+                  <a:srgbClr val="FFFFFF"/>
+                </a:solidFill>
+                <a:latin typeface="+mj-lt"/>
+                <a:ea typeface="+mj-ea"/>
+                <a:cs typeface="+mj-cs"/>
+              </a:rPr>
+              <a:t>1. Women Athlete </a:t>
+            </a:r>
+            <a:r>
+              <a:rPr lang="en-US" sz="2400" dirty="0">
+                <a:solidFill>
+                  <a:srgbClr val="FFFFFF"/>
+                </a:solidFill>
+              </a:rPr>
+              <a:t>Started performing from the year 1900 onwards.</a:t>
+            </a:r>
+            <a:br>
+              <a:rPr lang="en-US" sz="2400" dirty="0">
+                <a:solidFill>
+                  <a:srgbClr val="FFFFFF"/>
+                </a:solidFill>
+              </a:rPr>
+            </a:br>
+            <a:r>
+              <a:rPr lang="en-US" sz="2400" dirty="0">
+                <a:solidFill>
+                  <a:srgbClr val="FFFFFF"/>
+                </a:solidFill>
+              </a:rPr>
+              <a:t>2.  There are highly uprising </a:t>
+            </a:r>
+            <a:r>
+              <a:rPr lang="en-US" sz="2400" kern="1200" dirty="0">
+                <a:solidFill>
+                  <a:srgbClr val="FFFFFF"/>
+                </a:solidFill>
+                <a:latin typeface="+mj-lt"/>
+                <a:ea typeface="+mj-ea"/>
+                <a:cs typeface="+mj-cs"/>
+              </a:rPr>
+              <a:t>trend in their performance over the years.</a:t>
+            </a:r>
+            <a:br>
+              <a:rPr lang="en-US" sz="2400" kern="1200" dirty="0">
+                <a:solidFill>
+                  <a:srgbClr val="FFFFFF"/>
+                </a:solidFill>
+                <a:latin typeface="+mj-lt"/>
+                <a:ea typeface="+mj-ea"/>
+                <a:cs typeface="+mj-cs"/>
+              </a:rPr>
+            </a:br>
+            <a:r>
+              <a:rPr lang="en-US" sz="2400" kern="1200" dirty="0">
+                <a:solidFill>
+                  <a:srgbClr val="FFFFFF"/>
+                </a:solidFill>
+                <a:latin typeface="+mj-lt"/>
+                <a:ea typeface="+mj-ea"/>
+                <a:cs typeface="+mj-cs"/>
+              </a:rPr>
+              <a:t>3. Men Athlete are dominating in bagging the Olympics Medals, but Women Athlete performance almost converges to men towards year 2000.</a:t>
+            </a:r>
+          </a:p>
+        </p:txBody>
+      </p:sp>
+      <p:cxnSp>
+        <p:nvCxnSpPr>
+          <p:cNvPr id="12" name="Straight Connector 11">
+            <a:extLst>
+              <a:ext uri="{FF2B5EF4-FFF2-40B4-BE49-F238E27FC236}">
+                <a16:creationId xmlns:a16="http://schemas.microsoft.com/office/drawing/2014/main" id="{38FB9660-F42F-4313-BBC4-47C007FE484C}"/>
+              </a:ext>
+              <a:ext uri="{C183D7F6-B498-43B3-948B-1728B52AA6E4}">
+                <adec:decorative xmlns:adec="http://schemas.microsoft.com/office/drawing/2017/decorative" val="1"/>
+              </a:ext>
+            </a:extLst>
+          </p:cNvPr>
+          <p:cNvCxnSpPr>
+            <a:cxnSpLocks noGrp="1" noRot="1" noChangeAspect="1" noMove="1" noResize="1" noEditPoints="1" noAdjustHandles="1" noChangeArrowheads="1" noChangeShapeType="1"/>
+          </p:cNvCxnSpPr>
+          <p:nvPr>
+            <p:extLst>
+              <p:ext uri="{386F3935-93C4-4BCD-93E2-E3B085C9AB24}">
+                <p16:designElem xmlns:p16="http://schemas.microsoft.com/office/powerpoint/2015/main" val="1"/>
+              </p:ext>
+            </p:extLst>
+          </p:nvPr>
+        </p:nvCxnSpPr>
+        <p:spPr>
+          <a:xfrm>
+            <a:off x="1191126" y="3910267"/>
+            <a:ext cx="2586790" cy="0"/>
+          </a:xfrm>
+          <a:prstGeom prst="line">
+            <a:avLst/>
+          </a:prstGeom>
+          <a:ln w="22225">
+            <a:solidFill>
+              <a:srgbClr val="D9D9D9"/>
+            </a:solidFill>
+          </a:ln>
+        </p:spPr>
+        <p:style>
+          <a:lnRef idx="1">
+            <a:schemeClr val="accent1"/>
+          </a:lnRef>
+          <a:fillRef idx="0">
+            <a:schemeClr val="accent1"/>
+          </a:fillRef>
+          <a:effectRef idx="0">
+            <a:schemeClr val="accent1"/>
+          </a:effectRef>
+          <a:fontRef idx="minor">
+            <a:schemeClr val="tx1"/>
+          </a:fontRef>
+        </p:style>
+      </p:cxnSp>
+      <p:sp>
+        <p:nvSpPr>
+          <p:cNvPr id="8" name="Title 1">
+            <a:extLst>
+              <a:ext uri="{FF2B5EF4-FFF2-40B4-BE49-F238E27FC236}">
+                <a16:creationId xmlns:a16="http://schemas.microsoft.com/office/drawing/2014/main" id="{D9B8AF1D-29DA-402E-B382-701C6721AFFC}"/>
+              </a:ext>
+            </a:extLst>
+          </p:cNvPr>
+          <p:cNvSpPr txBox="1">
+            <a:spLocks/>
+          </p:cNvSpPr>
+          <p:nvPr/>
+        </p:nvSpPr>
+        <p:spPr>
+          <a:xfrm>
+            <a:off x="598230" y="192534"/>
+            <a:ext cx="3657600" cy="1228724"/>
+          </a:xfrm>
+          <a:prstGeom prst="rect">
+            <a:avLst/>
+          </a:prstGeom>
+        </p:spPr>
+        <p:txBody>
+          <a:bodyPr vert="horz" lIns="91440" tIns="45720" rIns="91440" bIns="45720" rtlCol="0" anchor="b">
+            <a:normAutofit/>
+          </a:bodyPr>
+          <a:lstStyle>
+            <a:lvl1pPr algn="l" defTabSz="914400" rtl="0" eaLnBrk="1" latinLnBrk="0" hangingPunct="1">
+              <a:lnSpc>
+                <a:spcPct val="90000"/>
+              </a:lnSpc>
+              <a:spcBef>
+                <a:spcPct val="0"/>
+              </a:spcBef>
+              <a:buNone/>
+              <a:defRPr sz="4400" kern="1200">
+                <a:solidFill>
+                  <a:schemeClr val="tx1"/>
+                </a:solidFill>
+                <a:latin typeface="+mj-lt"/>
+                <a:ea typeface="+mj-ea"/>
+                <a:cs typeface="+mj-cs"/>
+              </a:defRPr>
+            </a:lvl1pPr>
+          </a:lstStyle>
+          <a:p>
+            <a:pPr algn="ctr"/>
+            <a:r>
+              <a:rPr lang="en-US" sz="2400" dirty="0">
+                <a:solidFill>
+                  <a:srgbClr val="FFFFFF"/>
+                </a:solidFill>
+              </a:rPr>
+              <a:t>Performance of Men and Women Athlete in Olympics History</a:t>
+            </a:r>
+          </a:p>
+        </p:txBody>
+      </p:sp>
+      <p:pic>
+        <p:nvPicPr>
+          <p:cNvPr id="6" name="Picture 5">
+            <a:extLst>
+              <a:ext uri="{FF2B5EF4-FFF2-40B4-BE49-F238E27FC236}">
+                <a16:creationId xmlns:a16="http://schemas.microsoft.com/office/drawing/2014/main" id="{9B61B5E2-0EED-41C1-B354-095DCF586977}"/>
+              </a:ext>
+            </a:extLst>
+          </p:cNvPr>
+          <p:cNvPicPr>
+            <a:picLocks noChangeAspect="1"/>
+          </p:cNvPicPr>
+          <p:nvPr/>
+        </p:nvPicPr>
+        <p:blipFill>
+          <a:blip r:embed="rId2"/>
+          <a:stretch>
+            <a:fillRect/>
+          </a:stretch>
+        </p:blipFill>
+        <p:spPr>
+          <a:xfrm>
+            <a:off x="598230" y="5191689"/>
+            <a:ext cx="1314450" cy="1209675"/>
+          </a:xfrm>
+          <a:prstGeom prst="rect">
+            <a:avLst/>
+          </a:prstGeom>
+        </p:spPr>
+      </p:pic>
+      <p:pic>
+        <p:nvPicPr>
+          <p:cNvPr id="4" name="Picture 3" descr="A map of a person&#10;&#10;Description automatically generated">
+            <a:extLst>
+              <a:ext uri="{FF2B5EF4-FFF2-40B4-BE49-F238E27FC236}">
+                <a16:creationId xmlns:a16="http://schemas.microsoft.com/office/drawing/2014/main" id="{6AD1E563-A2CC-45D7-8C65-576562ED94C0}"/>
+              </a:ext>
+            </a:extLst>
+          </p:cNvPr>
+          <p:cNvPicPr>
+            <a:picLocks noChangeAspect="1"/>
+          </p:cNvPicPr>
+          <p:nvPr/>
+        </p:nvPicPr>
+        <p:blipFill>
+          <a:blip r:embed="rId3">
+            <a:extLst>
+              <a:ext uri="{28A0092B-C50C-407E-A947-70E740481C1C}">
+                <a14:useLocalDpi xmlns:a14="http://schemas.microsoft.com/office/drawing/2010/main" val="0"/>
+              </a:ext>
+            </a:extLst>
+          </a:blip>
+          <a:stretch>
+            <a:fillRect/>
+          </a:stretch>
+        </p:blipFill>
+        <p:spPr>
+          <a:xfrm>
+            <a:off x="4517176" y="-139525"/>
+            <a:ext cx="8572500" cy="6858000"/>
+          </a:xfrm>
+          <a:prstGeom prst="rect">
+            <a:avLst/>
+          </a:prstGeom>
+        </p:spPr>
+      </p:pic>
+    </p:spTree>
+    <p:extLst>
+      <p:ext uri="{BB962C8B-B14F-4D97-AF65-F5344CB8AC3E}">
+        <p14:creationId xmlns:p14="http://schemas.microsoft.com/office/powerpoint/2010/main" val="3642706972"/>
+      </p:ext>
+    </p:extLst>
+  </p:cSld>
+  <p:clrMapOvr>
+    <a:masterClrMapping/>
+  </p:clrMapOvr>
+</p:sld>
+</file>
+
+<file path=ppt/slides/slide15.xml><?xml version="1.0" encoding="utf-8"?>
+<p:sld xmlns:a="http://schemas.openxmlformats.org/drawingml/2006/main" xmlns:r="http://schemas.openxmlformats.org/officeDocument/2006/relationships" xmlns:p="http://schemas.openxmlformats.org/presentationml/2006/main">
+  <p:cSld>
+    <p:bg>
+      <p:bgPr>
+        <a:solidFill>
+          <a:schemeClr val="bg1"/>
+        </a:solidFill>
+        <a:effectLst/>
+      </p:bgPr>
+    </p:bg>
+    <p:spTree>
+      <p:nvGrpSpPr>
+        <p:cNvPr id="1" name=""/>
+        <p:cNvGrpSpPr/>
+        <p:nvPr/>
+      </p:nvGrpSpPr>
+      <p:grpSpPr>
+        <a:xfrm>
+          <a:off x="0" y="0"/>
+          <a:ext cx="0" cy="0"/>
+          <a:chOff x="0" y="0"/>
+          <a:chExt cx="0" cy="0"/>
+        </a:xfrm>
+      </p:grpSpPr>
+      <p:sp>
+        <p:nvSpPr>
+          <p:cNvPr id="19" name="Down Arrow 7">
+            <a:extLst>
+              <a:ext uri="{FF2B5EF4-FFF2-40B4-BE49-F238E27FC236}">
+                <a16:creationId xmlns:a16="http://schemas.microsoft.com/office/drawing/2014/main" id="{D4771268-CB57-404A-9271-370EB28F6090}"/>
+              </a:ext>
+              <a:ext uri="{C183D7F6-B498-43B3-948B-1728B52AA6E4}">
+                <adec:decorative xmlns:adec="http://schemas.microsoft.com/office/drawing/2017/decorative" val="1"/>
+              </a:ext>
+            </a:extLst>
+          </p:cNvPr>
+          <p:cNvSpPr>
+            <a:spLocks noGrp="1" noRot="1" noChangeAspect="1" noMove="1" noResize="1" noEditPoints="1" noAdjustHandles="1" noChangeArrowheads="1" noChangeShapeType="1" noTextEdit="1"/>
+          </p:cNvSpPr>
+          <p:nvPr>
+            <p:extLst>
+              <p:ext uri="{386F3935-93C4-4BCD-93E2-E3B085C9AB24}">
+                <p16:designElem xmlns:p16="http://schemas.microsoft.com/office/powerpoint/2015/main" val="1"/>
+              </p:ext>
+            </p:extLst>
+          </p:nvPr>
+        </p:nvSpPr>
+        <p:spPr>
+          <a:xfrm rot="16200000">
+            <a:off x="800100" y="1491343"/>
+            <a:ext cx="3333749" cy="3499103"/>
+          </a:xfrm>
+          <a:prstGeom prst="downArrow">
+            <a:avLst>
+              <a:gd name="adj1" fmla="val 100000"/>
+              <a:gd name="adj2" fmla="val 15788"/>
+            </a:avLst>
+          </a:prstGeom>
+          <a:solidFill>
+            <a:srgbClr val="404040"/>
+          </a:solidFill>
+          <a:ln w="53975">
+            <a:noFill/>
+          </a:ln>
+        </p:spPr>
+        <p:style>
+          <a:lnRef idx="2">
+            <a:schemeClr val="accent1">
+              <a:shade val="50000"/>
+            </a:schemeClr>
+          </a:lnRef>
+          <a:fillRef idx="1">
+            <a:schemeClr val="accent1"/>
+          </a:fillRef>
+          <a:effectRef idx="0">
+            <a:schemeClr val="accent1"/>
+          </a:effectRef>
+          <a:fontRef idx="minor">
+            <a:schemeClr val="lt1"/>
+          </a:fontRef>
+        </p:style>
+        <p:txBody>
+          <a:bodyPr rtlCol="0" anchor="ctr"/>
+          <a:lstStyle/>
+          <a:p>
+            <a:pPr algn="ctr"/>
+            <a:endParaRPr lang="en-US"/>
+          </a:p>
+        </p:txBody>
+      </p:sp>
+      <p:sp>
+        <p:nvSpPr>
+          <p:cNvPr id="2" name="Title 1">
+            <a:extLst>
+              <a:ext uri="{FF2B5EF4-FFF2-40B4-BE49-F238E27FC236}">
+                <a16:creationId xmlns:a16="http://schemas.microsoft.com/office/drawing/2014/main" id="{355342E4-324C-4ECA-8504-EE493813C736}"/>
+              </a:ext>
+            </a:extLst>
+          </p:cNvPr>
+          <p:cNvSpPr>
+            <a:spLocks noGrp="1"/>
+          </p:cNvSpPr>
+          <p:nvPr>
+            <p:ph type="title"/>
+          </p:nvPr>
+        </p:nvSpPr>
+        <p:spPr>
+          <a:xfrm>
+            <a:off x="1028700" y="1967266"/>
+            <a:ext cx="2628900" cy="2547257"/>
+          </a:xfrm>
+          <a:noFill/>
+        </p:spPr>
+        <p:txBody>
+          <a:bodyPr vert="horz" lIns="91440" tIns="45720" rIns="91440" bIns="45720" rtlCol="0" anchor="ctr">
+            <a:noAutofit/>
+          </a:bodyPr>
+          <a:lstStyle/>
+          <a:p>
+            <a:pPr algn="ctr"/>
+            <a:r>
+              <a:rPr lang="en-US" sz="2400" kern="1200" dirty="0">
+                <a:solidFill>
+                  <a:srgbClr val="FFFFFF"/>
+                </a:solidFill>
+                <a:latin typeface="+mj-lt"/>
+                <a:ea typeface="+mj-ea"/>
+                <a:cs typeface="+mj-cs"/>
+              </a:rPr>
+              <a:t>Women Performance in Olymp</a:t>
+            </a:r>
+            <a:r>
+              <a:rPr lang="en-US" sz="2400" dirty="0">
+                <a:solidFill>
+                  <a:srgbClr val="FFFFFF"/>
+                </a:solidFill>
+              </a:rPr>
+              <a:t>ics significantly increase in the history. There were highly positive trend. Women performance increase 800% .</a:t>
+            </a:r>
+            <a:endParaRPr lang="en-US" sz="2400" kern="1200" dirty="0">
+              <a:solidFill>
+                <a:srgbClr val="FFFFFF"/>
+              </a:solidFill>
+              <a:latin typeface="+mj-lt"/>
+              <a:ea typeface="+mj-ea"/>
+              <a:cs typeface="+mj-cs"/>
+            </a:endParaRPr>
+          </a:p>
+        </p:txBody>
+      </p:sp>
+      <p:pic>
+        <p:nvPicPr>
+          <p:cNvPr id="10" name="Content Placeholder 9" descr="A close up of a map&#10;&#10;Description automatically generated">
+            <a:extLst>
+              <a:ext uri="{FF2B5EF4-FFF2-40B4-BE49-F238E27FC236}">
+                <a16:creationId xmlns:a16="http://schemas.microsoft.com/office/drawing/2014/main" id="{ADB10468-0D83-4498-B7E0-D71583E93D9B}"/>
+              </a:ext>
+            </a:extLst>
+          </p:cNvPr>
+          <p:cNvPicPr>
+            <a:picLocks noGrp="1" noChangeAspect="1"/>
+          </p:cNvPicPr>
+          <p:nvPr>
+            <p:ph idx="1"/>
+          </p:nvPr>
+        </p:nvPicPr>
+        <p:blipFill>
+          <a:blip r:embed="rId2">
+            <a:extLst>
+              <a:ext uri="{28A0092B-C50C-407E-A947-70E740481C1C}">
+                <a14:useLocalDpi xmlns:a14="http://schemas.microsoft.com/office/drawing/2010/main" val="0"/>
+              </a:ext>
+            </a:extLst>
+          </a:blip>
+          <a:stretch>
+            <a:fillRect/>
+          </a:stretch>
+        </p:blipFill>
+        <p:spPr>
+          <a:xfrm>
+            <a:off x="4216526" y="213541"/>
+            <a:ext cx="8276771" cy="6621417"/>
+          </a:xfrm>
+          <a:prstGeom prst="rect">
+            <a:avLst/>
+          </a:prstGeom>
+        </p:spPr>
+      </p:pic>
+    </p:spTree>
+    <p:extLst>
+      <p:ext uri="{BB962C8B-B14F-4D97-AF65-F5344CB8AC3E}">
+        <p14:creationId xmlns:p14="http://schemas.microsoft.com/office/powerpoint/2010/main" val="1240662570"/>
+      </p:ext>
+    </p:extLst>
+  </p:cSld>
+  <p:clrMapOvr>
+    <a:masterClrMapping/>
+  </p:clrMapOvr>
+</p:sld>
+</file>
+
+<file path=ppt/slides/slide16.xml><?xml version="1.0" encoding="utf-8"?>
+<p:sld xmlns:a="http://schemas.openxmlformats.org/drawingml/2006/main" xmlns:r="http://schemas.openxmlformats.org/officeDocument/2006/relationships" xmlns:p="http://schemas.openxmlformats.org/presentationml/2006/main">
+  <p:cSld>
+    <p:bg>
+      <p:bgPr>
+        <a:solidFill>
+          <a:schemeClr val="bg1"/>
+        </a:solidFill>
+        <a:effectLst/>
+      </p:bgPr>
+    </p:bg>
+    <p:spTree>
+      <p:nvGrpSpPr>
+        <p:cNvPr id="1" name=""/>
+        <p:cNvGrpSpPr/>
+        <p:nvPr/>
+      </p:nvGrpSpPr>
+      <p:grpSpPr>
+        <a:xfrm>
+          <a:off x="0" y="0"/>
+          <a:ext cx="0" cy="0"/>
+          <a:chOff x="0" y="0"/>
+          <a:chExt cx="0" cy="0"/>
+        </a:xfrm>
+      </p:grpSpPr>
+      <p:pic>
+        <p:nvPicPr>
+          <p:cNvPr id="25" name="Picture 20">
+            <a:extLst>
+              <a:ext uri="{FF2B5EF4-FFF2-40B4-BE49-F238E27FC236}">
+                <a16:creationId xmlns:a16="http://schemas.microsoft.com/office/drawing/2014/main" id="{54DDEBDD-D8BD-41A6-8A0D-B00E3768B0F9}"/>
+              </a:ext>
+              <a:ext uri="{C183D7F6-B498-43B3-948B-1728B52AA6E4}">
+                <adec:decorative xmlns:adec="http://schemas.microsoft.com/office/drawing/2017/decorative" val="1"/>
+              </a:ext>
+            </a:extLst>
+          </p:cNvPr>
+          <p:cNvPicPr>
+            <a:picLocks noGrp="1" noRot="1" noChangeAspect="1" noMove="1" noResize="1" noEditPoints="1" noAdjustHandles="1" noChangeArrowheads="1" noChangeShapeType="1" noCrop="1"/>
+          </p:cNvPicPr>
+          <p:nvPr>
+            <p:extLst>
+              <p:ext uri="{386F3935-93C4-4BCD-93E2-E3B085C9AB24}">
+                <p16:designElem xmlns:p16="http://schemas.microsoft.com/office/powerpoint/2015/main" val="1"/>
+              </p:ext>
+            </p:extLst>
+          </p:nvPr>
+        </p:nvPicPr>
+        <p:blipFill>
+          <a:blip r:embed="rId2">
+            <a:extLst>
+              <a:ext uri="{28A0092B-C50C-407E-A947-70E740481C1C}">
+                <a14:useLocalDpi xmlns:a14="http://schemas.microsoft.com/office/drawing/2010/main" val="0"/>
+              </a:ext>
+            </a:extLst>
+          </a:blip>
+          <a:stretch>
+            <a:fillRect/>
+          </a:stretch>
+        </p:blipFill>
+        <p:spPr>
+          <a:xfrm flipH="1" flipV="1">
+            <a:off x="0" y="0"/>
+            <a:ext cx="12192000" cy="6858000"/>
+          </a:xfrm>
+          <a:prstGeom prst="rect">
+            <a:avLst/>
+          </a:prstGeom>
+        </p:spPr>
+      </p:pic>
+      <p:sp>
+        <p:nvSpPr>
+          <p:cNvPr id="26" name="Title 1">
+            <a:extLst>
+              <a:ext uri="{FF2B5EF4-FFF2-40B4-BE49-F238E27FC236}">
+                <a16:creationId xmlns:a16="http://schemas.microsoft.com/office/drawing/2014/main" id="{49604D86-CAFB-489A-A0CA-058C3F89C4AE}"/>
+              </a:ext>
+            </a:extLst>
+          </p:cNvPr>
+          <p:cNvSpPr>
+            <a:spLocks noGrp="1"/>
+          </p:cNvSpPr>
+          <p:nvPr>
+            <p:ph type="title"/>
+          </p:nvPr>
+        </p:nvSpPr>
+        <p:spPr>
+          <a:xfrm>
+            <a:off x="804998" y="798445"/>
+            <a:ext cx="4803636" cy="1311664"/>
+          </a:xfrm>
+        </p:spPr>
+        <p:txBody>
+          <a:bodyPr>
+            <a:noAutofit/>
+          </a:bodyPr>
+          <a:lstStyle/>
+          <a:p>
+            <a:r>
+              <a:rPr lang="en-US" sz="3200">
+                <a:solidFill>
+                  <a:srgbClr val="000000"/>
+                </a:solidFill>
+              </a:rPr>
+              <a:t>Medal Won by Men and Women in Olympics in Percentage</a:t>
+            </a:r>
+            <a:endParaRPr lang="en-US" sz="3200" dirty="0">
+              <a:solidFill>
+                <a:srgbClr val="000000"/>
+              </a:solidFill>
+            </a:endParaRPr>
+          </a:p>
+        </p:txBody>
+      </p:sp>
+      <p:sp>
+        <p:nvSpPr>
+          <p:cNvPr id="27" name="Content Placeholder 8">
+            <a:extLst>
+              <a:ext uri="{FF2B5EF4-FFF2-40B4-BE49-F238E27FC236}">
+                <a16:creationId xmlns:a16="http://schemas.microsoft.com/office/drawing/2014/main" id="{FA11BC9D-C3A1-4E8C-8FC4-23A46D2CE319}"/>
+              </a:ext>
+            </a:extLst>
+          </p:cNvPr>
+          <p:cNvSpPr>
+            <a:spLocks noGrp="1"/>
+          </p:cNvSpPr>
+          <p:nvPr>
+            <p:ph idx="1"/>
+          </p:nvPr>
+        </p:nvSpPr>
+        <p:spPr>
+          <a:xfrm>
+            <a:off x="804997" y="2272143"/>
+            <a:ext cx="4706803" cy="3788830"/>
+          </a:xfrm>
+        </p:spPr>
+        <p:txBody>
+          <a:bodyPr anchor="ctr">
+            <a:normAutofit/>
+          </a:bodyPr>
+          <a:lstStyle/>
+          <a:p>
+            <a:pPr marL="0" indent="0">
+              <a:buNone/>
+            </a:pPr>
+            <a:r>
+              <a:rPr lang="en-US" sz="2000">
+                <a:solidFill>
+                  <a:srgbClr val="000000"/>
+                </a:solidFill>
+              </a:rPr>
+              <a:t>73% of the total medal won count in Olympics were Men and women contributed to 27%.</a:t>
+            </a:r>
+          </a:p>
+          <a:p>
+            <a:pPr marL="0" indent="0">
+              <a:buNone/>
+            </a:pPr>
+            <a:r>
+              <a:rPr lang="en-US" sz="2000">
+                <a:solidFill>
+                  <a:srgbClr val="000000"/>
+                </a:solidFill>
+              </a:rPr>
+              <a:t>Men were dominating in medal count, but women also started contributed close to 1/3</a:t>
+            </a:r>
+            <a:r>
+              <a:rPr lang="en-US" sz="2000" baseline="30000">
+                <a:solidFill>
+                  <a:srgbClr val="000000"/>
+                </a:solidFill>
+              </a:rPr>
+              <a:t>rd</a:t>
+            </a:r>
+            <a:r>
+              <a:rPr lang="en-US" sz="2000">
+                <a:solidFill>
+                  <a:srgbClr val="000000"/>
+                </a:solidFill>
+              </a:rPr>
+              <a:t> of total medal won count after year 1900.</a:t>
+            </a:r>
+            <a:endParaRPr lang="en-US" sz="2000" dirty="0">
+              <a:solidFill>
+                <a:srgbClr val="000000"/>
+              </a:solidFill>
+            </a:endParaRPr>
+          </a:p>
+        </p:txBody>
+      </p:sp>
+      <p:pic>
+        <p:nvPicPr>
+          <p:cNvPr id="7" name="Picture 6" descr="A close up of a logo&#10;&#10;Description automatically generated">
+            <a:extLst>
+              <a:ext uri="{FF2B5EF4-FFF2-40B4-BE49-F238E27FC236}">
+                <a16:creationId xmlns:a16="http://schemas.microsoft.com/office/drawing/2014/main" id="{E3033831-68AF-4640-82AA-AC081DEB031B}"/>
+              </a:ext>
+            </a:extLst>
+          </p:cNvPr>
+          <p:cNvPicPr>
+            <a:picLocks noChangeAspect="1"/>
+          </p:cNvPicPr>
+          <p:nvPr/>
+        </p:nvPicPr>
+        <p:blipFill>
+          <a:blip r:embed="rId3">
+            <a:extLst>
+              <a:ext uri="{28A0092B-C50C-407E-A947-70E740481C1C}">
+                <a14:useLocalDpi xmlns:a14="http://schemas.microsoft.com/office/drawing/2010/main" val="0"/>
+              </a:ext>
+            </a:extLst>
+          </a:blip>
+          <a:stretch>
+            <a:fillRect/>
+          </a:stretch>
+        </p:blipFill>
+        <p:spPr>
+          <a:xfrm>
+            <a:off x="5338897" y="145143"/>
+            <a:ext cx="8572500" cy="6858000"/>
+          </a:xfrm>
+          <a:prstGeom prst="rect">
+            <a:avLst/>
+          </a:prstGeom>
+        </p:spPr>
+      </p:pic>
+    </p:spTree>
+    <p:extLst>
+      <p:ext uri="{BB962C8B-B14F-4D97-AF65-F5344CB8AC3E}">
+        <p14:creationId xmlns:p14="http://schemas.microsoft.com/office/powerpoint/2010/main" val="913775061"/>
+      </p:ext>
+    </p:extLst>
+  </p:cSld>
+  <p:clrMapOvr>
+    <a:masterClrMapping/>
+  </p:clrMapOvr>
+</p:sld>
+</file>
+
+<file path=ppt/slides/slide17.xml><?xml version="1.0" encoding="utf-8"?>
+<p:sld xmlns:a="http://schemas.openxmlformats.org/drawingml/2006/main" xmlns:r="http://schemas.openxmlformats.org/officeDocument/2006/relationships" xmlns:p="http://schemas.openxmlformats.org/presentationml/2006/main">
+  <p:cSld>
+    <p:bg>
+      <p:bgPr>
+        <a:solidFill>
+          <a:schemeClr val="bg1"/>
+        </a:solidFill>
+        <a:effectLst/>
+      </p:bgPr>
+    </p:bg>
+    <p:spTree>
+      <p:nvGrpSpPr>
+        <p:cNvPr id="1" name=""/>
+        <p:cNvGrpSpPr/>
+        <p:nvPr/>
+      </p:nvGrpSpPr>
+      <p:grpSpPr>
+        <a:xfrm>
+          <a:off x="0" y="0"/>
+          <a:ext cx="0" cy="0"/>
+          <a:chOff x="0" y="0"/>
+          <a:chExt cx="0" cy="0"/>
+        </a:xfrm>
+      </p:grpSpPr>
+      <p:sp>
+        <p:nvSpPr>
+          <p:cNvPr id="2" name="Title 1">
+            <a:extLst>
+              <a:ext uri="{FF2B5EF4-FFF2-40B4-BE49-F238E27FC236}">
+                <a16:creationId xmlns:a16="http://schemas.microsoft.com/office/drawing/2014/main" id="{308A5139-4927-4829-9B48-3DF111FAC356}"/>
+              </a:ext>
+            </a:extLst>
+          </p:cNvPr>
+          <p:cNvSpPr>
+            <a:spLocks noGrp="1"/>
+          </p:cNvSpPr>
+          <p:nvPr>
+            <p:ph type="title"/>
+          </p:nvPr>
+        </p:nvSpPr>
+        <p:spPr>
+          <a:xfrm>
+            <a:off x="390727" y="6035674"/>
+            <a:ext cx="10515600" cy="822326"/>
+          </a:xfrm>
+        </p:spPr>
+        <p:txBody>
+          <a:bodyPr vert="horz" lIns="91440" tIns="45720" rIns="91440" bIns="45720" rtlCol="0" anchor="ctr">
+            <a:normAutofit/>
+          </a:bodyPr>
+          <a:lstStyle/>
+          <a:p>
+            <a:pPr algn="ctr"/>
+            <a:r>
+              <a:rPr lang="en-US" dirty="0"/>
+              <a:t>Top 10 Athlete in Olympics history</a:t>
+            </a:r>
+          </a:p>
+        </p:txBody>
+      </p:sp>
+      <p:pic>
+        <p:nvPicPr>
+          <p:cNvPr id="5" name="Content Placeholder 4" descr="A screenshot of a cell phone&#10;&#10;Description automatically generated">
+            <a:extLst>
+              <a:ext uri="{FF2B5EF4-FFF2-40B4-BE49-F238E27FC236}">
+                <a16:creationId xmlns:a16="http://schemas.microsoft.com/office/drawing/2014/main" id="{A4CF7D78-EE46-45B3-A447-453F9AB69817}"/>
+              </a:ext>
+            </a:extLst>
+          </p:cNvPr>
+          <p:cNvPicPr>
+            <a:picLocks noGrp="1" noChangeAspect="1"/>
+          </p:cNvPicPr>
+          <p:nvPr>
+            <p:ph idx="1"/>
+          </p:nvPr>
+        </p:nvPicPr>
+        <p:blipFill>
+          <a:blip r:embed="rId2">
+            <a:extLst>
+              <a:ext uri="{28A0092B-C50C-407E-A947-70E740481C1C}">
+                <a14:useLocalDpi xmlns:a14="http://schemas.microsoft.com/office/drawing/2010/main" val="0"/>
+              </a:ext>
+            </a:extLst>
+          </a:blip>
+          <a:stretch>
+            <a:fillRect/>
+          </a:stretch>
+        </p:blipFill>
+        <p:spPr>
+          <a:xfrm>
+            <a:off x="6135687" y="122238"/>
+            <a:ext cx="5907155" cy="5905363"/>
+          </a:xfrm>
+        </p:spPr>
+      </p:pic>
+      <p:pic>
+        <p:nvPicPr>
+          <p:cNvPr id="7" name="Picture 6" descr="A screenshot of a cell phone&#10;&#10;Description automatically generated">
+            <a:extLst>
+              <a:ext uri="{FF2B5EF4-FFF2-40B4-BE49-F238E27FC236}">
+                <a16:creationId xmlns:a16="http://schemas.microsoft.com/office/drawing/2014/main" id="{C3BF7211-87DE-4544-B383-D5D4CD21B3CE}"/>
+              </a:ext>
+            </a:extLst>
+          </p:cNvPr>
+          <p:cNvPicPr>
+            <a:picLocks noChangeAspect="1"/>
+          </p:cNvPicPr>
+          <p:nvPr/>
+        </p:nvPicPr>
+        <p:blipFill>
+          <a:blip r:embed="rId3">
+            <a:extLst>
+              <a:ext uri="{28A0092B-C50C-407E-A947-70E740481C1C}">
+                <a14:useLocalDpi xmlns:a14="http://schemas.microsoft.com/office/drawing/2010/main" val="0"/>
+              </a:ext>
+            </a:extLst>
+          </a:blip>
+          <a:stretch>
+            <a:fillRect/>
+          </a:stretch>
+        </p:blipFill>
+        <p:spPr>
+          <a:xfrm>
+            <a:off x="390727" y="122238"/>
+            <a:ext cx="5662411" cy="5662411"/>
+          </a:xfrm>
+          <a:prstGeom prst="rect">
+            <a:avLst/>
+          </a:prstGeom>
+        </p:spPr>
+      </p:pic>
+    </p:spTree>
+    <p:extLst>
+      <p:ext uri="{BB962C8B-B14F-4D97-AF65-F5344CB8AC3E}">
+        <p14:creationId xmlns:p14="http://schemas.microsoft.com/office/powerpoint/2010/main" val="3961600825"/>
+      </p:ext>
+    </p:extLst>
+  </p:cSld>
+  <p:clrMapOvr>
+    <a:masterClrMapping/>
+  </p:clrMapOvr>
+</p:sld>
+</file>
+
+<file path=ppt/slides/slide18.xml><?xml version="1.0" encoding="utf-8"?>
+<p:sld xmlns:a="http://schemas.openxmlformats.org/drawingml/2006/main" xmlns:r="http://schemas.openxmlformats.org/officeDocument/2006/relationships" xmlns:p="http://schemas.openxmlformats.org/presentationml/2006/main">
+  <p:cSld>
+    <p:bg>
+      <p:bgPr>
+        <a:solidFill>
+          <a:schemeClr val="tx1"/>
+        </a:solidFill>
+        <a:effectLst/>
+      </p:bgPr>
+    </p:bg>
+    <p:spTree>
+      <p:nvGrpSpPr>
+        <p:cNvPr id="1" name=""/>
+        <p:cNvGrpSpPr/>
+        <p:nvPr/>
+      </p:nvGrpSpPr>
+      <p:grpSpPr>
+        <a:xfrm>
+          <a:off x="0" y="0"/>
+          <a:ext cx="0" cy="0"/>
+          <a:chOff x="0" y="0"/>
+          <a:chExt cx="0" cy="0"/>
+        </a:xfrm>
+      </p:grpSpPr>
+      <p:sp>
+        <p:nvSpPr>
+          <p:cNvPr id="17" name="Rectangle 16">
+            <a:extLst>
+              <a:ext uri="{FF2B5EF4-FFF2-40B4-BE49-F238E27FC236}">
+                <a16:creationId xmlns:a16="http://schemas.microsoft.com/office/drawing/2014/main" id="{867D4867-5BA7-4462-B2F6-A23F4A622AA7}"/>
+              </a:ext>
+              <a:ext uri="{C183D7F6-B498-43B3-948B-1728B52AA6E4}">
+                <adec:decorative xmlns:adec="http://schemas.microsoft.com/office/drawing/2017/decorative" val="1"/>
+              </a:ext>
+            </a:extLst>
+          </p:cNvPr>
+          <p:cNvSpPr>
+            <a:spLocks noGrp="1" noRot="1" noChangeAspect="1" noMove="1" noResize="1" noEditPoints="1" noAdjustHandles="1" noChangeArrowheads="1" noChangeShapeType="1" noTextEdit="1"/>
+          </p:cNvSpPr>
+          <p:nvPr>
+            <p:extLst>
+              <p:ext uri="{386F3935-93C4-4BCD-93E2-E3B085C9AB24}">
+                <p16:designElem xmlns:p16="http://schemas.microsoft.com/office/powerpoint/2015/main" val="1"/>
+              </p:ext>
+            </p:extLst>
+          </p:nvPr>
+        </p:nvSpPr>
+        <p:spPr>
+          <a:xfrm>
+            <a:off x="0" y="0"/>
+            <a:ext cx="4654296" cy="6858000"/>
+          </a:xfrm>
+          <a:prstGeom prst="rect">
+            <a:avLst/>
+          </a:prstGeom>
+          <a:solidFill>
+            <a:srgbClr val="3F3F3F"/>
+          </a:solidFill>
+          <a:ln>
+            <a:noFill/>
+          </a:ln>
+        </p:spPr>
+        <p:style>
+          <a:lnRef idx="0">
+            <a:scrgbClr r="0" g="0" b="0"/>
+          </a:lnRef>
+          <a:fillRef idx="0">
+            <a:scrgbClr r="0" g="0" b="0"/>
+          </a:fillRef>
+          <a:effectRef idx="0">
+            <a:scrgbClr r="0" g="0" b="0"/>
+          </a:effectRef>
+          <a:fontRef idx="minor">
+            <a:schemeClr val="lt1"/>
+          </a:fontRef>
+        </p:style>
+        <p:txBody>
+          <a:bodyPr rtlCol="0" anchor="ctr"/>
+          <a:lstStyle/>
+          <a:p>
+            <a:pPr algn="ctr"/>
+            <a:endParaRPr lang="en-US" dirty="0"/>
+          </a:p>
+        </p:txBody>
+      </p:sp>
+      <p:sp>
+        <p:nvSpPr>
+          <p:cNvPr id="14" name="Content Placeholder 13">
+            <a:extLst>
+              <a:ext uri="{FF2B5EF4-FFF2-40B4-BE49-F238E27FC236}">
+                <a16:creationId xmlns:a16="http://schemas.microsoft.com/office/drawing/2014/main" id="{4CCAB18C-7819-4003-9CEB-67F5235EF73C}"/>
+              </a:ext>
+            </a:extLst>
+          </p:cNvPr>
+          <p:cNvSpPr>
+            <a:spLocks noGrp="1"/>
+          </p:cNvSpPr>
+          <p:nvPr>
+            <p:ph idx="1"/>
+          </p:nvPr>
+        </p:nvSpPr>
+        <p:spPr>
+          <a:xfrm>
+            <a:off x="338668" y="1094993"/>
+            <a:ext cx="3363974" cy="4462845"/>
+          </a:xfrm>
+        </p:spPr>
+        <p:txBody>
+          <a:bodyPr>
+            <a:normAutofit fontScale="92500" lnSpcReduction="10000"/>
+          </a:bodyPr>
+          <a:lstStyle/>
+          <a:p>
+            <a:r>
+              <a:rPr lang="en-US" sz="2000" dirty="0"/>
+              <a:t>India has performed quite well in early Olympics.</a:t>
+            </a:r>
+          </a:p>
+          <a:p>
+            <a:r>
+              <a:rPr lang="en-US" sz="2000" dirty="0"/>
+              <a:t>India bagged maximum 20 Olympics medal in the year 1948 which is the year when India got Independence.</a:t>
+            </a:r>
+          </a:p>
+          <a:p>
+            <a:pPr lvl="1"/>
+            <a:r>
+              <a:rPr lang="en-US" sz="1600" dirty="0"/>
+              <a:t>This shows that the sentiments and victory plays important role in Athlete moral level.</a:t>
+            </a:r>
+          </a:p>
+          <a:p>
+            <a:r>
+              <a:rPr lang="en-US" sz="2000" dirty="0"/>
+              <a:t>After 1948, India’s performance decreased over time.</a:t>
+            </a:r>
+          </a:p>
+          <a:p>
+            <a:r>
+              <a:rPr lang="en-US" sz="2000" dirty="0"/>
+              <a:t>India has not won any Medal between 1980 to 1996 in FOUR Olympics games.</a:t>
+            </a:r>
+          </a:p>
+          <a:p>
+            <a:r>
+              <a:rPr lang="en-US" sz="2000" dirty="0"/>
+              <a:t>There is again positive trend shown after 1996.</a:t>
+            </a:r>
+          </a:p>
+        </p:txBody>
+      </p:sp>
+      <p:pic>
+        <p:nvPicPr>
+          <p:cNvPr id="10" name="Content Placeholder 9" descr="A close up of a map&#10;&#10;Description automatically generated">
+            <a:extLst>
+              <a:ext uri="{FF2B5EF4-FFF2-40B4-BE49-F238E27FC236}">
+                <a16:creationId xmlns:a16="http://schemas.microsoft.com/office/drawing/2014/main" id="{B3FFCCA4-E419-450B-97D4-A58F6B361DBE}"/>
+              </a:ext>
+            </a:extLst>
+          </p:cNvPr>
+          <p:cNvPicPr>
+            <a:picLocks noChangeAspect="1"/>
+          </p:cNvPicPr>
+          <p:nvPr/>
+        </p:nvPicPr>
+        <p:blipFill>
+          <a:blip r:embed="rId2">
+            <a:extLst>
+              <a:ext uri="{28A0092B-C50C-407E-A947-70E740481C1C}">
+                <a14:useLocalDpi xmlns:a14="http://schemas.microsoft.com/office/drawing/2010/main" val="0"/>
+              </a:ext>
+            </a:extLst>
+          </a:blip>
+          <a:stretch>
+            <a:fillRect/>
+          </a:stretch>
+        </p:blipFill>
+        <p:spPr>
+          <a:xfrm>
+            <a:off x="4650910" y="-1"/>
+            <a:ext cx="8365788" cy="6857999"/>
+          </a:xfrm>
+          <a:prstGeom prst="rect">
+            <a:avLst/>
+          </a:prstGeom>
+        </p:spPr>
+      </p:pic>
+      <p:sp>
+        <p:nvSpPr>
+          <p:cNvPr id="15" name="Content Placeholder 13">
+            <a:extLst>
+              <a:ext uri="{FF2B5EF4-FFF2-40B4-BE49-F238E27FC236}">
+                <a16:creationId xmlns:a16="http://schemas.microsoft.com/office/drawing/2014/main" id="{F6B238C8-A1E7-46B7-8416-DDFA65697117}"/>
+              </a:ext>
+            </a:extLst>
+          </p:cNvPr>
+          <p:cNvSpPr txBox="1">
+            <a:spLocks/>
+          </p:cNvSpPr>
+          <p:nvPr/>
+        </p:nvSpPr>
+        <p:spPr>
+          <a:xfrm>
+            <a:off x="338668" y="94339"/>
+            <a:ext cx="3363974" cy="709995"/>
+          </a:xfrm>
+          <a:prstGeom prst="rect">
+            <a:avLst/>
+          </a:prstGeom>
+        </p:spPr>
+        <p:txBody>
+          <a:bodyPr vert="horz" lIns="91440" tIns="45720" rIns="91440" bIns="45720" rtlCol="0">
+            <a:normAutofit/>
+          </a:bodyPr>
+          <a:lstStyle>
+            <a:lvl1pPr marL="228600" indent="-228600" algn="l" defTabSz="914400" rtl="0" eaLnBrk="1" latinLnBrk="0" hangingPunct="1">
+              <a:lnSpc>
+                <a:spcPct val="90000"/>
+              </a:lnSpc>
+              <a:spcBef>
+                <a:spcPts val="1000"/>
+              </a:spcBef>
+              <a:buFont typeface="Arial" panose="020B0604020202020204" pitchFamily="34" charset="0"/>
+              <a:buChar char="•"/>
+              <a:defRPr sz="2800" kern="1200">
+                <a:solidFill>
+                  <a:schemeClr val="tx1"/>
+                </a:solidFill>
+                <a:latin typeface="+mn-lt"/>
+                <a:ea typeface="+mn-ea"/>
+                <a:cs typeface="+mn-cs"/>
+              </a:defRPr>
+            </a:lvl1pPr>
+            <a:lvl2pPr marL="685800" indent="-228600" algn="l" defTabSz="914400" rtl="0" eaLnBrk="1" latinLnBrk="0" hangingPunct="1">
+              <a:lnSpc>
+                <a:spcPct val="90000"/>
+              </a:lnSpc>
+              <a:spcBef>
+                <a:spcPts val="500"/>
+              </a:spcBef>
+              <a:buFont typeface="Arial" panose="020B0604020202020204" pitchFamily="34" charset="0"/>
+              <a:buChar char="•"/>
+              <a:defRPr sz="2400" kern="1200">
+                <a:solidFill>
+                  <a:schemeClr val="tx1"/>
+                </a:solidFill>
+                <a:latin typeface="+mn-lt"/>
+                <a:ea typeface="+mn-ea"/>
+                <a:cs typeface="+mn-cs"/>
+              </a:defRPr>
+            </a:lvl2pPr>
+            <a:lvl3pPr marL="1143000" indent="-228600" algn="l" defTabSz="914400" rtl="0" eaLnBrk="1" latinLnBrk="0" hangingPunct="1">
+              <a:lnSpc>
+                <a:spcPct val="90000"/>
+              </a:lnSpc>
+              <a:spcBef>
+                <a:spcPts val="500"/>
+              </a:spcBef>
+              <a:buFont typeface="Arial" panose="020B0604020202020204" pitchFamily="34" charset="0"/>
+              <a:buChar char="•"/>
+              <a:defRPr sz="2000" kern="1200">
+                <a:solidFill>
+                  <a:schemeClr val="tx1"/>
+                </a:solidFill>
+                <a:latin typeface="+mn-lt"/>
+                <a:ea typeface="+mn-ea"/>
+                <a:cs typeface="+mn-cs"/>
+              </a:defRPr>
+            </a:lvl3pPr>
+            <a:lvl4pPr marL="1600200" indent="-228600" algn="l" defTabSz="914400" rtl="0" eaLnBrk="1" latinLnBrk="0" hangingPunct="1">
+              <a:lnSpc>
+                <a:spcPct val="90000"/>
+              </a:lnSpc>
+              <a:spcBef>
+                <a:spcPts val="500"/>
+              </a:spcBef>
+              <a:buFont typeface="Arial" panose="020B0604020202020204" pitchFamily="34" charset="0"/>
+              <a:buChar char="•"/>
+              <a:defRPr sz="1800" kern="1200">
+                <a:solidFill>
+                  <a:schemeClr val="tx1"/>
+                </a:solidFill>
+                <a:latin typeface="+mn-lt"/>
+                <a:ea typeface="+mn-ea"/>
+                <a:cs typeface="+mn-cs"/>
+              </a:defRPr>
+            </a:lvl4pPr>
+            <a:lvl5pPr marL="2057400" indent="-228600" algn="l" defTabSz="914400" rtl="0" eaLnBrk="1" latinLnBrk="0" hangingPunct="1">
+              <a:lnSpc>
+                <a:spcPct val="90000"/>
+              </a:lnSpc>
+              <a:spcBef>
+                <a:spcPts val="500"/>
+              </a:spcBef>
+              <a:buFont typeface="Arial" panose="020B0604020202020204" pitchFamily="34" charset="0"/>
+              <a:buChar char="•"/>
+              <a:defRPr sz="1800" kern="1200">
+                <a:solidFill>
+                  <a:schemeClr val="tx1"/>
+                </a:solidFill>
+                <a:latin typeface="+mn-lt"/>
+                <a:ea typeface="+mn-ea"/>
+                <a:cs typeface="+mn-cs"/>
+              </a:defRPr>
+            </a:lvl5pPr>
+            <a:lvl6pPr marL="2514600" indent="-228600" algn="l" defTabSz="914400" rtl="0" eaLnBrk="1" latinLnBrk="0" hangingPunct="1">
+              <a:lnSpc>
+                <a:spcPct val="90000"/>
+              </a:lnSpc>
+              <a:spcBef>
+                <a:spcPts val="500"/>
+              </a:spcBef>
+              <a:buFont typeface="Arial" panose="020B0604020202020204" pitchFamily="34" charset="0"/>
+              <a:buChar char="•"/>
+              <a:defRPr sz="1800" kern="1200">
+                <a:solidFill>
+                  <a:schemeClr val="tx1"/>
+                </a:solidFill>
+                <a:latin typeface="+mn-lt"/>
+                <a:ea typeface="+mn-ea"/>
+                <a:cs typeface="+mn-cs"/>
+              </a:defRPr>
+            </a:lvl6pPr>
+            <a:lvl7pPr marL="2971800" indent="-228600" algn="l" defTabSz="914400" rtl="0" eaLnBrk="1" latinLnBrk="0" hangingPunct="1">
+              <a:lnSpc>
+                <a:spcPct val="90000"/>
+              </a:lnSpc>
+              <a:spcBef>
+                <a:spcPts val="500"/>
+              </a:spcBef>
+              <a:buFont typeface="Arial" panose="020B0604020202020204" pitchFamily="34" charset="0"/>
+              <a:buChar char="•"/>
+              <a:defRPr sz="1800" kern="1200">
+                <a:solidFill>
+                  <a:schemeClr val="tx1"/>
+                </a:solidFill>
+                <a:latin typeface="+mn-lt"/>
+                <a:ea typeface="+mn-ea"/>
+                <a:cs typeface="+mn-cs"/>
+              </a:defRPr>
+            </a:lvl7pPr>
+            <a:lvl8pPr marL="3429000" indent="-228600" algn="l" defTabSz="914400" rtl="0" eaLnBrk="1" latinLnBrk="0" hangingPunct="1">
+              <a:lnSpc>
+                <a:spcPct val="90000"/>
+              </a:lnSpc>
+              <a:spcBef>
+                <a:spcPts val="500"/>
+              </a:spcBef>
+              <a:buFont typeface="Arial" panose="020B0604020202020204" pitchFamily="34" charset="0"/>
+              <a:buChar char="•"/>
+              <a:defRPr sz="1800" kern="1200">
+                <a:solidFill>
+                  <a:schemeClr val="tx1"/>
+                </a:solidFill>
+                <a:latin typeface="+mn-lt"/>
+                <a:ea typeface="+mn-ea"/>
+                <a:cs typeface="+mn-cs"/>
+              </a:defRPr>
+            </a:lvl8pPr>
+            <a:lvl9pPr marL="3886200" indent="-228600" algn="l" defTabSz="914400" rtl="0" eaLnBrk="1" latinLnBrk="0" hangingPunct="1">
+              <a:lnSpc>
+                <a:spcPct val="90000"/>
+              </a:lnSpc>
+              <a:spcBef>
+                <a:spcPts val="500"/>
+              </a:spcBef>
+              <a:buFont typeface="Arial" panose="020B0604020202020204" pitchFamily="34" charset="0"/>
+              <a:buChar char="•"/>
+              <a:defRPr sz="1800" kern="1200">
+                <a:solidFill>
+                  <a:schemeClr val="tx1"/>
+                </a:solidFill>
+                <a:latin typeface="+mn-lt"/>
+                <a:ea typeface="+mn-ea"/>
+                <a:cs typeface="+mn-cs"/>
+              </a:defRPr>
+            </a:lvl9pPr>
+          </a:lstStyle>
+          <a:p>
+            <a:r>
+              <a:rPr lang="en-US" sz="2000"/>
+              <a:t>Indian Performance in Summer Olympics</a:t>
+            </a:r>
+            <a:endParaRPr lang="en-US" sz="2000" dirty="0"/>
+          </a:p>
+        </p:txBody>
+      </p:sp>
+    </p:spTree>
+    <p:extLst>
+      <p:ext uri="{BB962C8B-B14F-4D97-AF65-F5344CB8AC3E}">
+        <p14:creationId xmlns:p14="http://schemas.microsoft.com/office/powerpoint/2010/main" val="2901276943"/>
+      </p:ext>
+    </p:extLst>
+  </p:cSld>
+  <p:clrMapOvr>
+    <a:overrideClrMapping bg1="dk1" tx1="lt1" bg2="dk2" tx2="lt2" accent1="accent1" accent2="accent2" accent3="accent3" accent4="accent4" accent5="accent5" accent6="accent6" hlink="hlink" folHlink="folHlink"/>
+  </p:clrMapOvr>
+</p:sld>
+</file>
+
+<file path=ppt/slides/slide19.xml><?xml version="1.0" encoding="utf-8"?>
 <p:sld xmlns:a="http://schemas.openxmlformats.org/drawingml/2006/main" xmlns:r="http://schemas.openxmlformats.org/officeDocument/2006/relationships" xmlns:p="http://schemas.openxmlformats.org/presentationml/2006/main">
   <p:cSld>
     <p:spTree>
@@ -8036,7 +10365,7 @@
           <p:cNvPr id="2" name="Title 1">
             <a:extLst>
               <a:ext uri="{FF2B5EF4-FFF2-40B4-BE49-F238E27FC236}">
-                <a16:creationId xmlns:a16="http://schemas.microsoft.com/office/drawing/2014/main" id="{75363E3E-348B-47A9-BDC3-D7017C28DC19}"/>
+                <a16:creationId xmlns:a16="http://schemas.microsoft.com/office/drawing/2014/main" id="{D3F68ABC-1D73-46FA-99B1-49F6C8423F27}"/>
               </a:ext>
             </a:extLst>
           </p:cNvPr>
@@ -8054,120 +10383,179 @@
           <a:p>
             <a:r>
               <a:rPr lang="en-US" dirty="0"/>
-              <a:t>Sports AND Discipline added over the years</a:t>
+              <a:t>Top Ten Indian Athlete in Olympics Games</a:t>
             </a:r>
           </a:p>
         </p:txBody>
       </p:sp>
-      <p:sp>
-        <p:nvSpPr>
-          <p:cNvPr id="3" name="Content Placeholder 2">
-            <a:extLst>
-              <a:ext uri="{FF2B5EF4-FFF2-40B4-BE49-F238E27FC236}">
-                <a16:creationId xmlns:a16="http://schemas.microsoft.com/office/drawing/2014/main" id="{40AA6E67-692B-4EF8-8052-B357F238CCBF}"/>
-              </a:ext>
-            </a:extLst>
-          </p:cNvPr>
-          <p:cNvSpPr>
-            <a:spLocks noGrp="1"/>
-          </p:cNvSpPr>
+      <p:pic>
+        <p:nvPicPr>
+          <p:cNvPr id="5" name="Content Placeholder 4" descr="A screenshot of a cell phone&#10;&#10;Description automatically generated">
+            <a:extLst>
+              <a:ext uri="{FF2B5EF4-FFF2-40B4-BE49-F238E27FC236}">
+                <a16:creationId xmlns:a16="http://schemas.microsoft.com/office/drawing/2014/main" id="{C63DB782-062A-43D8-8FEC-3F9D41082B45}"/>
+              </a:ext>
+            </a:extLst>
+          </p:cNvPr>
+          <p:cNvPicPr>
+            <a:picLocks noGrp="1" noChangeAspect="1"/>
+          </p:cNvPicPr>
           <p:nvPr>
             <p:ph idx="1"/>
           </p:nvPr>
+        </p:nvPicPr>
+        <p:blipFill>
+          <a:blip r:embed="rId2">
+            <a:extLst>
+              <a:ext uri="{28A0092B-C50C-407E-A947-70E740481C1C}">
+                <a14:useLocalDpi xmlns:a14="http://schemas.microsoft.com/office/drawing/2010/main" val="0"/>
+              </a:ext>
+            </a:extLst>
+          </a:blip>
+          <a:stretch>
+            <a:fillRect/>
+          </a:stretch>
+        </p:blipFill>
+        <p:spPr>
+          <a:xfrm>
+            <a:off x="4066162" y="1690688"/>
+            <a:ext cx="7287638" cy="5167312"/>
+          </a:xfrm>
+        </p:spPr>
+      </p:pic>
+      <p:sp>
+        <p:nvSpPr>
+          <p:cNvPr id="4" name="Title 1">
+            <a:extLst>
+              <a:ext uri="{FF2B5EF4-FFF2-40B4-BE49-F238E27FC236}">
+                <a16:creationId xmlns:a16="http://schemas.microsoft.com/office/drawing/2014/main" id="{35F0476A-251E-4259-9D8A-C419568F590C}"/>
+              </a:ext>
+            </a:extLst>
+          </p:cNvPr>
+          <p:cNvSpPr txBox="1">
+            <a:spLocks/>
+          </p:cNvSpPr>
+          <p:nvPr/>
         </p:nvSpPr>
-        <p:spPr/>
+        <p:spPr>
+          <a:xfrm>
+            <a:off x="238539" y="2045788"/>
+            <a:ext cx="3634581" cy="3771915"/>
+          </a:xfrm>
+          <a:prstGeom prst="ellipse">
+            <a:avLst/>
+          </a:prstGeom>
+          <a:solidFill>
+            <a:srgbClr val="262626"/>
+          </a:solidFill>
+          <a:ln w="174625" cmpd="thinThick">
+            <a:solidFill>
+              <a:srgbClr val="262626"/>
+            </a:solidFill>
+          </a:ln>
+        </p:spPr>
         <p:txBody>
-          <a:bodyPr/>
-          <a:lstStyle/>
-          <a:p>
-            <a:endParaRPr lang="en-US" dirty="0"/>
+          <a:bodyPr vert="horz" lIns="91440" tIns="45720" rIns="91440" bIns="45720" rtlCol="0" anchor="ctr">
+            <a:normAutofit fontScale="75000" lnSpcReduction="20000"/>
+          </a:bodyPr>
+          <a:lstStyle>
+            <a:lvl1pPr algn="l" defTabSz="914400" rtl="0" eaLnBrk="1" latinLnBrk="0" hangingPunct="1">
+              <a:lnSpc>
+                <a:spcPct val="90000"/>
+              </a:lnSpc>
+              <a:spcBef>
+                <a:spcPct val="0"/>
+              </a:spcBef>
+              <a:buNone/>
+              <a:defRPr sz="4400" kern="1200">
+                <a:solidFill>
+                  <a:schemeClr val="tx1"/>
+                </a:solidFill>
+                <a:latin typeface="+mj-lt"/>
+                <a:ea typeface="+mj-ea"/>
+                <a:cs typeface="+mj-cs"/>
+              </a:defRPr>
+            </a:lvl1pPr>
+          </a:lstStyle>
+          <a:p>
+            <a:pPr algn="ctr"/>
+            <a:r>
+              <a:rPr lang="en-US" sz="2200" dirty="0">
+                <a:solidFill>
+                  <a:srgbClr val="FFFFFF"/>
+                </a:solidFill>
+              </a:rPr>
+              <a:t>Leslie Walter Claudius was the FIRST Athlete to bag a Olympic Medal for India.</a:t>
+            </a:r>
+          </a:p>
+          <a:p>
+            <a:pPr algn="ctr"/>
+            <a:endParaRPr lang="en-US" sz="2200" dirty="0">
+              <a:solidFill>
+                <a:srgbClr val="FFFFFF"/>
+              </a:solidFill>
+            </a:endParaRPr>
+          </a:p>
+          <a:p>
+            <a:pPr algn="ctr"/>
+            <a:r>
+              <a:rPr lang="en-US" sz="2200" dirty="0" err="1">
+                <a:solidFill>
+                  <a:srgbClr val="FFFFFF"/>
+                </a:solidFill>
+              </a:rPr>
+              <a:t>Udham</a:t>
+            </a:r>
+            <a:r>
+              <a:rPr lang="en-US" sz="2200" dirty="0">
+                <a:solidFill>
+                  <a:srgbClr val="FFFFFF"/>
+                </a:solidFill>
+              </a:rPr>
+              <a:t> Singh </a:t>
+            </a:r>
+            <a:r>
+              <a:rPr lang="en-US" sz="2200" dirty="0" err="1">
+                <a:solidFill>
+                  <a:srgbClr val="FFFFFF"/>
+                </a:solidFill>
+              </a:rPr>
+              <a:t>Kullar</a:t>
+            </a:r>
+            <a:r>
+              <a:rPr lang="en-US" sz="2200" dirty="0">
+                <a:solidFill>
+                  <a:srgbClr val="FFFFFF"/>
+                </a:solidFill>
+              </a:rPr>
+              <a:t> and Balbir Singh Dosanjh were the top Indian Athlete.</a:t>
+            </a:r>
+          </a:p>
+          <a:p>
+            <a:pPr algn="ctr"/>
+            <a:endParaRPr lang="en-US" sz="2200" dirty="0">
+              <a:solidFill>
+                <a:srgbClr val="FFFFFF"/>
+              </a:solidFill>
+            </a:endParaRPr>
+          </a:p>
+          <a:p>
+            <a:pPr algn="ctr"/>
+            <a:r>
+              <a:rPr lang="en-US" sz="2200" dirty="0">
+                <a:solidFill>
+                  <a:srgbClr val="FFFFFF"/>
+                </a:solidFill>
+              </a:rPr>
+              <a:t>2 Athletes has bagged 4 medals whereas 7 bagged 3 Olympic medals each.</a:t>
+            </a:r>
           </a:p>
         </p:txBody>
       </p:sp>
     </p:spTree>
     <p:extLst>
       <p:ext uri="{BB962C8B-B14F-4D97-AF65-F5344CB8AC3E}">
-        <p14:creationId xmlns:p14="http://schemas.microsoft.com/office/powerpoint/2010/main" val="2496132233"/>
-      </p:ext>
-    </p:extLst>
-  </p:cSld>
-  <p:clrMapOvr>
-    <a:masterClrMapping/>
-  </p:clrMapOvr>
-</p:sld>
-</file>
-
-<file path=ppt/slides/slide11.xml><?xml version="1.0" encoding="utf-8"?>
-<p:sld xmlns:a="http://schemas.openxmlformats.org/drawingml/2006/main" xmlns:r="http://schemas.openxmlformats.org/officeDocument/2006/relationships" xmlns:p="http://schemas.openxmlformats.org/presentationml/2006/main">
-  <p:cSld>
-    <p:spTree>
-      <p:nvGrpSpPr>
-        <p:cNvPr id="1" name=""/>
-        <p:cNvGrpSpPr/>
-        <p:nvPr/>
-      </p:nvGrpSpPr>
-      <p:grpSpPr>
-        <a:xfrm>
-          <a:off x="0" y="0"/>
-          <a:ext cx="0" cy="0"/>
-          <a:chOff x="0" y="0"/>
-          <a:chExt cx="0" cy="0"/>
-        </a:xfrm>
-      </p:grpSpPr>
-      <p:sp>
-        <p:nvSpPr>
-          <p:cNvPr id="2" name="Title 1">
-            <a:extLst>
-              <a:ext uri="{FF2B5EF4-FFF2-40B4-BE49-F238E27FC236}">
-                <a16:creationId xmlns:a16="http://schemas.microsoft.com/office/drawing/2014/main" id="{5847A7F4-D61A-48E8-A077-0A455BCCC867}"/>
-              </a:ext>
-            </a:extLst>
-          </p:cNvPr>
-          <p:cNvSpPr>
-            <a:spLocks noGrp="1"/>
-          </p:cNvSpPr>
-          <p:nvPr>
-            <p:ph type="title"/>
-          </p:nvPr>
-        </p:nvSpPr>
-        <p:spPr/>
-        <p:txBody>
-          <a:bodyPr/>
-          <a:lstStyle/>
-          <a:p>
-            <a:endParaRPr lang="en-US"/>
-          </a:p>
-        </p:txBody>
-      </p:sp>
-      <p:sp>
-        <p:nvSpPr>
-          <p:cNvPr id="3" name="Content Placeholder 2">
-            <a:extLst>
-              <a:ext uri="{FF2B5EF4-FFF2-40B4-BE49-F238E27FC236}">
-                <a16:creationId xmlns:a16="http://schemas.microsoft.com/office/drawing/2014/main" id="{0D40BF94-BB5F-4FBC-A860-DA095E0034C9}"/>
-              </a:ext>
-            </a:extLst>
-          </p:cNvPr>
-          <p:cNvSpPr>
-            <a:spLocks noGrp="1"/>
-          </p:cNvSpPr>
-          <p:nvPr>
-            <p:ph idx="1"/>
-          </p:nvPr>
-        </p:nvSpPr>
-        <p:spPr/>
-        <p:txBody>
-          <a:bodyPr/>
-          <a:lstStyle/>
-          <a:p>
-            <a:endParaRPr lang="en-US"/>
-          </a:p>
-        </p:txBody>
-      </p:sp>
-    </p:spTree>
-    <p:extLst>
-      <p:ext uri="{BB962C8B-B14F-4D97-AF65-F5344CB8AC3E}">
-        <p14:creationId xmlns:p14="http://schemas.microsoft.com/office/powerpoint/2010/main" val="3315544393"/>
+        <p14:creationId xmlns:p14="http://schemas.microsoft.com/office/powerpoint/2010/main" val="941728751"/>
       </p:ext>
     </p:extLst>
   </p:cSld>
@@ -8738,7 +11126,7 @@
             <p:ph idx="1"/>
             <p:extLst>
               <p:ext uri="{D42A27DB-BD31-4B8C-83A1-F6EECF244321}">
-                <p14:modId xmlns:p14="http://schemas.microsoft.com/office/powerpoint/2010/main" val="2715015805"/>
+                <p14:modId xmlns:p14="http://schemas.microsoft.com/office/powerpoint/2010/main" val="2884512965"/>
               </p:ext>
             </p:extLst>
           </p:nvPr>
@@ -8757,6 +11145,1081 @@
     <p:extLst>
       <p:ext uri="{BB962C8B-B14F-4D97-AF65-F5344CB8AC3E}">
         <p14:creationId xmlns:p14="http://schemas.microsoft.com/office/powerpoint/2010/main" val="2874436691"/>
+      </p:ext>
+    </p:extLst>
+  </p:cSld>
+  <p:clrMapOvr>
+    <a:masterClrMapping/>
+  </p:clrMapOvr>
+</p:sld>
+</file>
+
+<file path=ppt/slides/slide20.xml><?xml version="1.0" encoding="utf-8"?>
+<p:sld xmlns:a="http://schemas.openxmlformats.org/drawingml/2006/main" xmlns:r="http://schemas.openxmlformats.org/officeDocument/2006/relationships" xmlns:p="http://schemas.openxmlformats.org/presentationml/2006/main">
+  <p:cSld>
+    <p:bg>
+      <p:bgPr>
+        <a:solidFill>
+          <a:schemeClr val="tx1"/>
+        </a:solidFill>
+        <a:effectLst/>
+      </p:bgPr>
+    </p:bg>
+    <p:spTree>
+      <p:nvGrpSpPr>
+        <p:cNvPr id="1" name=""/>
+        <p:cNvGrpSpPr/>
+        <p:nvPr/>
+      </p:nvGrpSpPr>
+      <p:grpSpPr>
+        <a:xfrm>
+          <a:off x="0" y="0"/>
+          <a:ext cx="0" cy="0"/>
+          <a:chOff x="0" y="0"/>
+          <a:chExt cx="0" cy="0"/>
+        </a:xfrm>
+      </p:grpSpPr>
+      <p:sp>
+        <p:nvSpPr>
+          <p:cNvPr id="12" name="Rectangle 11">
+            <a:extLst>
+              <a:ext uri="{FF2B5EF4-FFF2-40B4-BE49-F238E27FC236}">
+                <a16:creationId xmlns:a16="http://schemas.microsoft.com/office/drawing/2014/main" id="{867D4867-5BA7-4462-B2F6-A23F4A622AA7}"/>
+              </a:ext>
+              <a:ext uri="{C183D7F6-B498-43B3-948B-1728B52AA6E4}">
+                <adec:decorative xmlns:adec="http://schemas.microsoft.com/office/drawing/2017/decorative" val="1"/>
+              </a:ext>
+            </a:extLst>
+          </p:cNvPr>
+          <p:cNvSpPr>
+            <a:spLocks noGrp="1" noRot="1" noChangeAspect="1" noMove="1" noResize="1" noEditPoints="1" noAdjustHandles="1" noChangeArrowheads="1" noChangeShapeType="1" noTextEdit="1"/>
+          </p:cNvSpPr>
+          <p:nvPr>
+            <p:extLst>
+              <p:ext uri="{386F3935-93C4-4BCD-93E2-E3B085C9AB24}">
+                <p16:designElem xmlns:p16="http://schemas.microsoft.com/office/powerpoint/2015/main" val="1"/>
+              </p:ext>
+            </p:extLst>
+          </p:nvPr>
+        </p:nvSpPr>
+        <p:spPr>
+          <a:xfrm>
+            <a:off x="0" y="0"/>
+            <a:ext cx="4654296" cy="6858000"/>
+          </a:xfrm>
+          <a:prstGeom prst="rect">
+            <a:avLst/>
+          </a:prstGeom>
+          <a:solidFill>
+            <a:srgbClr val="3F3F3F"/>
+          </a:solidFill>
+          <a:ln>
+            <a:noFill/>
+          </a:ln>
+        </p:spPr>
+        <p:style>
+          <a:lnRef idx="0">
+            <a:scrgbClr r="0" g="0" b="0"/>
+          </a:lnRef>
+          <a:fillRef idx="0">
+            <a:scrgbClr r="0" g="0" b="0"/>
+          </a:fillRef>
+          <a:effectRef idx="0">
+            <a:scrgbClr r="0" g="0" b="0"/>
+          </a:effectRef>
+          <a:fontRef idx="minor">
+            <a:schemeClr val="lt1"/>
+          </a:fontRef>
+        </p:style>
+        <p:txBody>
+          <a:bodyPr rtlCol="0" anchor="ctr"/>
+          <a:lstStyle/>
+          <a:p>
+            <a:pPr algn="ctr"/>
+            <a:endParaRPr lang="en-US" dirty="0"/>
+          </a:p>
+        </p:txBody>
+      </p:sp>
+      <p:sp>
+        <p:nvSpPr>
+          <p:cNvPr id="2" name="Title 1">
+            <a:extLst>
+              <a:ext uri="{FF2B5EF4-FFF2-40B4-BE49-F238E27FC236}">
+                <a16:creationId xmlns:a16="http://schemas.microsoft.com/office/drawing/2014/main" id="{08FDAF4C-6092-4E44-AD5A-C961A670EB12}"/>
+              </a:ext>
+            </a:extLst>
+          </p:cNvPr>
+          <p:cNvSpPr>
+            <a:spLocks noGrp="1"/>
+          </p:cNvSpPr>
+          <p:nvPr>
+            <p:ph type="title"/>
+          </p:nvPr>
+        </p:nvSpPr>
+        <p:spPr>
+          <a:xfrm>
+            <a:off x="643468" y="623392"/>
+            <a:ext cx="3363974" cy="1607060"/>
+          </a:xfrm>
+          <a:noFill/>
+          <a:ln w="19050">
+            <a:solidFill>
+              <a:schemeClr val="tx1"/>
+            </a:solidFill>
+          </a:ln>
+        </p:spPr>
+        <p:txBody>
+          <a:bodyPr wrap="square" anchor="ctr">
+            <a:normAutofit/>
+          </a:bodyPr>
+          <a:lstStyle/>
+          <a:p>
+            <a:pPr algn="ctr"/>
+            <a:r>
+              <a:rPr lang="en-US" sz="2800" dirty="0"/>
+              <a:t>Countries – Won Olympics games more than once.</a:t>
+            </a:r>
+          </a:p>
+        </p:txBody>
+      </p:sp>
+      <p:sp>
+        <p:nvSpPr>
+          <p:cNvPr id="9" name="Content Placeholder 8">
+            <a:extLst>
+              <a:ext uri="{FF2B5EF4-FFF2-40B4-BE49-F238E27FC236}">
+                <a16:creationId xmlns:a16="http://schemas.microsoft.com/office/drawing/2014/main" id="{CB5046B8-9476-431C-9E94-66175914BD28}"/>
+              </a:ext>
+            </a:extLst>
+          </p:cNvPr>
+          <p:cNvSpPr>
+            <a:spLocks noGrp="1"/>
+          </p:cNvSpPr>
+          <p:nvPr>
+            <p:ph idx="1"/>
+          </p:nvPr>
+        </p:nvSpPr>
+        <p:spPr>
+          <a:xfrm>
+            <a:off x="643468" y="2638043"/>
+            <a:ext cx="3363974" cy="3415623"/>
+          </a:xfrm>
+        </p:spPr>
+        <p:txBody>
+          <a:bodyPr>
+            <a:normAutofit/>
+          </a:bodyPr>
+          <a:lstStyle/>
+          <a:p>
+            <a:r>
+              <a:rPr lang="en-US" sz="2000" dirty="0"/>
+              <a:t>URS, USA, GBR remain the countries which won the Olympics games more than once.</a:t>
+            </a:r>
+          </a:p>
+          <a:p>
+            <a:r>
+              <a:rPr lang="en-US" sz="2000" dirty="0"/>
+              <a:t>The countries has total won count more than 325.</a:t>
+            </a:r>
+          </a:p>
+        </p:txBody>
+      </p:sp>
+      <p:pic>
+        <p:nvPicPr>
+          <p:cNvPr id="5" name="Content Placeholder 4" descr="A screenshot of a cell phone&#10;&#10;Description automatically generated">
+            <a:extLst>
+              <a:ext uri="{FF2B5EF4-FFF2-40B4-BE49-F238E27FC236}">
+                <a16:creationId xmlns:a16="http://schemas.microsoft.com/office/drawing/2014/main" id="{D0884399-1669-4AE3-8C76-31573072A393}"/>
+              </a:ext>
+            </a:extLst>
+          </p:cNvPr>
+          <p:cNvPicPr>
+            <a:picLocks noChangeAspect="1"/>
+          </p:cNvPicPr>
+          <p:nvPr/>
+        </p:nvPicPr>
+        <p:blipFill>
+          <a:blip r:embed="rId2">
+            <a:extLst>
+              <a:ext uri="{28A0092B-C50C-407E-A947-70E740481C1C}">
+                <a14:useLocalDpi xmlns:a14="http://schemas.microsoft.com/office/drawing/2010/main" val="0"/>
+              </a:ext>
+            </a:extLst>
+          </a:blip>
+          <a:stretch>
+            <a:fillRect/>
+          </a:stretch>
+        </p:blipFill>
+        <p:spPr>
+          <a:xfrm>
+            <a:off x="5297764" y="9127"/>
+            <a:ext cx="6894235" cy="6572714"/>
+          </a:xfrm>
+          <a:prstGeom prst="rect">
+            <a:avLst/>
+          </a:prstGeom>
+        </p:spPr>
+      </p:pic>
+    </p:spTree>
+    <p:extLst>
+      <p:ext uri="{BB962C8B-B14F-4D97-AF65-F5344CB8AC3E}">
+        <p14:creationId xmlns:p14="http://schemas.microsoft.com/office/powerpoint/2010/main" val="1250186684"/>
+      </p:ext>
+    </p:extLst>
+  </p:cSld>
+  <p:clrMapOvr>
+    <a:overrideClrMapping bg1="dk1" tx1="lt1" bg2="dk2" tx2="lt2" accent1="accent1" accent2="accent2" accent3="accent3" accent4="accent4" accent5="accent5" accent6="accent6" hlink="hlink" folHlink="folHlink"/>
+  </p:clrMapOvr>
+</p:sld>
+</file>
+
+<file path=ppt/slides/slide21.xml><?xml version="1.0" encoding="utf-8"?>
+<p:sld xmlns:a="http://schemas.openxmlformats.org/drawingml/2006/main" xmlns:r="http://schemas.openxmlformats.org/officeDocument/2006/relationships" xmlns:p="http://schemas.openxmlformats.org/presentationml/2006/main">
+  <p:cSld>
+    <p:bg>
+      <p:bgPr>
+        <a:solidFill>
+          <a:schemeClr val="bg1"/>
+        </a:solidFill>
+        <a:effectLst/>
+      </p:bgPr>
+    </p:bg>
+    <p:spTree>
+      <p:nvGrpSpPr>
+        <p:cNvPr id="1" name=""/>
+        <p:cNvGrpSpPr/>
+        <p:nvPr/>
+      </p:nvGrpSpPr>
+      <p:grpSpPr>
+        <a:xfrm>
+          <a:off x="0" y="0"/>
+          <a:ext cx="0" cy="0"/>
+          <a:chOff x="0" y="0"/>
+          <a:chExt cx="0" cy="0"/>
+        </a:xfrm>
+      </p:grpSpPr>
+      <p:sp>
+        <p:nvSpPr>
+          <p:cNvPr id="2" name="Title 1">
+            <a:extLst>
+              <a:ext uri="{FF2B5EF4-FFF2-40B4-BE49-F238E27FC236}">
+                <a16:creationId xmlns:a16="http://schemas.microsoft.com/office/drawing/2014/main" id="{5ADBA3DD-C90A-46F4-BFE4-C44CD1D98069}"/>
+              </a:ext>
+            </a:extLst>
+          </p:cNvPr>
+          <p:cNvSpPr>
+            <a:spLocks noGrp="1"/>
+          </p:cNvSpPr>
+          <p:nvPr>
+            <p:ph type="title"/>
+          </p:nvPr>
+        </p:nvSpPr>
+        <p:spPr>
+          <a:xfrm>
+            <a:off x="489903" y="1063381"/>
+            <a:ext cx="4237914" cy="4731238"/>
+          </a:xfrm>
+        </p:spPr>
+        <p:txBody>
+          <a:bodyPr>
+            <a:noAutofit/>
+          </a:bodyPr>
+          <a:lstStyle/>
+          <a:p>
+            <a:r>
+              <a:rPr lang="en-US" sz="2400" b="1" dirty="0"/>
+              <a:t>USA (1924),GER has high positive co-relation</a:t>
+            </a:r>
+            <a:r>
+              <a:rPr lang="en-US" sz="2400" dirty="0"/>
+              <a:t> and won maximum medals in different Discipline and events in Olympics in different games.</a:t>
+            </a:r>
+            <a:br>
+              <a:rPr lang="en-US" sz="2400" dirty="0"/>
+            </a:br>
+            <a:r>
+              <a:rPr lang="en-US" sz="2400" b="1" dirty="0"/>
+              <a:t>GBR,AUS</a:t>
+            </a:r>
+            <a:r>
+              <a:rPr lang="en-US" sz="2400" dirty="0"/>
+              <a:t> has some co-relation exists in winning medals in Olympics.</a:t>
+            </a:r>
+            <a:br>
+              <a:rPr lang="en-US" sz="2400" dirty="0"/>
+            </a:br>
+            <a:r>
+              <a:rPr lang="en-US" sz="2400" b="1" dirty="0"/>
+              <a:t>Whereas JAM,ETH,SRI,IRL</a:t>
+            </a:r>
+            <a:r>
+              <a:rPr lang="en-US" sz="2400" dirty="0"/>
+              <a:t> among the countries with </a:t>
+            </a:r>
+            <a:r>
+              <a:rPr lang="en-US" sz="2400" b="1" dirty="0"/>
+              <a:t>negative correlation</a:t>
+            </a:r>
+            <a:r>
+              <a:rPr lang="en-US" sz="2400" dirty="0"/>
+              <a:t> and hardly able to won any Olympic medals.</a:t>
+            </a:r>
+            <a:br>
+              <a:rPr lang="en-US" sz="2400" dirty="0"/>
+            </a:br>
+            <a:endParaRPr lang="en-US" sz="2400" dirty="0"/>
+          </a:p>
+        </p:txBody>
+      </p:sp>
+      <p:pic>
+        <p:nvPicPr>
+          <p:cNvPr id="7" name="Content Placeholder 6">
+            <a:extLst>
+              <a:ext uri="{FF2B5EF4-FFF2-40B4-BE49-F238E27FC236}">
+                <a16:creationId xmlns:a16="http://schemas.microsoft.com/office/drawing/2014/main" id="{D170639B-5F7E-42E9-B65F-408A37F768A8}"/>
+              </a:ext>
+            </a:extLst>
+          </p:cNvPr>
+          <p:cNvPicPr>
+            <a:picLocks noGrp="1" noChangeAspect="1"/>
+          </p:cNvPicPr>
+          <p:nvPr>
+            <p:ph idx="1"/>
+          </p:nvPr>
+        </p:nvPicPr>
+        <p:blipFill>
+          <a:blip r:embed="rId2">
+            <a:extLst>
+              <a:ext uri="{28A0092B-C50C-407E-A947-70E740481C1C}">
+                <a14:useLocalDpi xmlns:a14="http://schemas.microsoft.com/office/drawing/2010/main" val="0"/>
+              </a:ext>
+            </a:extLst>
+          </a:blip>
+          <a:stretch>
+            <a:fillRect/>
+          </a:stretch>
+        </p:blipFill>
+        <p:spPr>
+          <a:xfrm>
+            <a:off x="4727817" y="-581484"/>
+            <a:ext cx="8020968" cy="8020968"/>
+          </a:xfrm>
+        </p:spPr>
+      </p:pic>
+    </p:spTree>
+    <p:extLst>
+      <p:ext uri="{BB962C8B-B14F-4D97-AF65-F5344CB8AC3E}">
+        <p14:creationId xmlns:p14="http://schemas.microsoft.com/office/powerpoint/2010/main" val="752145306"/>
+      </p:ext>
+    </p:extLst>
+  </p:cSld>
+  <p:clrMapOvr>
+    <a:masterClrMapping/>
+  </p:clrMapOvr>
+</p:sld>
+</file>
+
+<file path=ppt/slides/slide22.xml><?xml version="1.0" encoding="utf-8"?>
+<p:sld xmlns:a="http://schemas.openxmlformats.org/drawingml/2006/main" xmlns:r="http://schemas.openxmlformats.org/officeDocument/2006/relationships" xmlns:p="http://schemas.openxmlformats.org/presentationml/2006/main">
+  <p:cSld>
+    <p:spTree>
+      <p:nvGrpSpPr>
+        <p:cNvPr id="1" name=""/>
+        <p:cNvGrpSpPr/>
+        <p:nvPr/>
+      </p:nvGrpSpPr>
+      <p:grpSpPr>
+        <a:xfrm>
+          <a:off x="0" y="0"/>
+          <a:ext cx="0" cy="0"/>
+          <a:chOff x="0" y="0"/>
+          <a:chExt cx="0" cy="0"/>
+        </a:xfrm>
+      </p:grpSpPr>
+      <p:sp>
+        <p:nvSpPr>
+          <p:cNvPr id="2" name="Title 1">
+            <a:extLst>
+              <a:ext uri="{FF2B5EF4-FFF2-40B4-BE49-F238E27FC236}">
+                <a16:creationId xmlns:a16="http://schemas.microsoft.com/office/drawing/2014/main" id="{93B7B568-DA95-4996-9BF1-B0E5409B978C}"/>
+              </a:ext>
+            </a:extLst>
+          </p:cNvPr>
+          <p:cNvSpPr>
+            <a:spLocks noGrp="1"/>
+          </p:cNvSpPr>
+          <p:nvPr>
+            <p:ph type="title"/>
+          </p:nvPr>
+        </p:nvSpPr>
+        <p:spPr>
+          <a:xfrm>
+            <a:off x="0" y="0"/>
+            <a:ext cx="10515600" cy="449451"/>
+          </a:xfrm>
+        </p:spPr>
+        <p:txBody>
+          <a:bodyPr>
+            <a:normAutofit fontScale="90000"/>
+          </a:bodyPr>
+          <a:lstStyle/>
+          <a:p>
+            <a:r>
+              <a:rPr lang="en-US" dirty="0"/>
+              <a:t>Conclusion</a:t>
+            </a:r>
+          </a:p>
+        </p:txBody>
+      </p:sp>
+      <p:sp>
+        <p:nvSpPr>
+          <p:cNvPr id="3" name="Content Placeholder 2">
+            <a:extLst>
+              <a:ext uri="{FF2B5EF4-FFF2-40B4-BE49-F238E27FC236}">
+                <a16:creationId xmlns:a16="http://schemas.microsoft.com/office/drawing/2014/main" id="{9C86DF07-E5A8-4045-9AD7-22B97CAA52E2}"/>
+              </a:ext>
+            </a:extLst>
+          </p:cNvPr>
+          <p:cNvSpPr>
+            <a:spLocks noGrp="1"/>
+          </p:cNvSpPr>
+          <p:nvPr>
+            <p:ph idx="1"/>
+          </p:nvPr>
+        </p:nvSpPr>
+        <p:spPr>
+          <a:xfrm>
+            <a:off x="373251" y="449451"/>
+            <a:ext cx="10515600" cy="4351338"/>
+          </a:xfrm>
+        </p:spPr>
+        <p:txBody>
+          <a:bodyPr>
+            <a:noAutofit/>
+          </a:bodyPr>
+          <a:lstStyle/>
+          <a:p>
+            <a:r>
+              <a:rPr lang="en-US" sz="1600" dirty="0"/>
+              <a:t>The Olympics games being held for </a:t>
+            </a:r>
+            <a:r>
+              <a:rPr lang="en-US" sz="1600" b="1" dirty="0"/>
+              <a:t>27 times</a:t>
+            </a:r>
+            <a:r>
+              <a:rPr lang="en-US" sz="1600" dirty="0"/>
+              <a:t> since 1896 and </a:t>
+            </a:r>
+            <a:r>
+              <a:rPr lang="en-US" sz="1600" b="1" dirty="0"/>
+              <a:t>22 different cities</a:t>
+            </a:r>
+            <a:r>
+              <a:rPr lang="en-US" sz="1600" dirty="0"/>
+              <a:t> around the world hosted the games.</a:t>
+            </a:r>
+          </a:p>
+          <a:p>
+            <a:pPr lvl="1"/>
+            <a:r>
+              <a:rPr lang="en-US" sz="1600" b="1" dirty="0"/>
+              <a:t>London hosted the games maximum of 3 times</a:t>
+            </a:r>
+            <a:r>
+              <a:rPr lang="en-US" sz="1600" dirty="0"/>
+              <a:t> , whereas </a:t>
+            </a:r>
+            <a:r>
+              <a:rPr lang="en-US" sz="1600" b="1" dirty="0" err="1"/>
+              <a:t>Paris,Athens,Los</a:t>
+            </a:r>
+            <a:r>
+              <a:rPr lang="en-US" sz="1600" b="1" dirty="0"/>
+              <a:t> Angeles hosted more than once</a:t>
+            </a:r>
+            <a:r>
+              <a:rPr lang="en-US" sz="1600" dirty="0"/>
+              <a:t>.</a:t>
+            </a:r>
+          </a:p>
+          <a:p>
+            <a:r>
+              <a:rPr lang="en-US" sz="1600" dirty="0"/>
+              <a:t>The participation level also increase </a:t>
+            </a:r>
+            <a:r>
+              <a:rPr lang="en-US" sz="1600" dirty="0" err="1"/>
+              <a:t>dramitically</a:t>
+            </a:r>
+            <a:r>
+              <a:rPr lang="en-US" sz="1600" dirty="0"/>
+              <a:t> in Olympics from 1896 onwards. It was 10 countries participated in FIRST Olympics games which rises to 86 Nations world wide by the year 2012. There is </a:t>
+            </a:r>
+            <a:r>
+              <a:rPr lang="en-US" sz="1600" dirty="0" err="1"/>
+              <a:t>higly</a:t>
+            </a:r>
+            <a:r>
+              <a:rPr lang="en-US" sz="1600" dirty="0"/>
+              <a:t> upwards trends and Olympics again Popularity in few years from start.</a:t>
+            </a:r>
+          </a:p>
+          <a:p>
+            <a:r>
+              <a:rPr lang="en-US" sz="1600" dirty="0"/>
+              <a:t>The Medal won count increases over the period and from 1964, more than 1000 medals won by athletes in different events which rises close to 2000 medals.</a:t>
+            </a:r>
+          </a:p>
+          <a:p>
+            <a:r>
+              <a:rPr lang="en-US" sz="1600" b="1" dirty="0" err="1"/>
+              <a:t>Australia,Great</a:t>
+            </a:r>
+            <a:r>
+              <a:rPr lang="en-US" sz="1600" b="1" dirty="0"/>
+              <a:t> </a:t>
+            </a:r>
+            <a:r>
+              <a:rPr lang="en-US" sz="1600" b="1" dirty="0" err="1"/>
+              <a:t>Britain,USA</a:t>
+            </a:r>
+            <a:r>
+              <a:rPr lang="en-US" sz="1600" dirty="0"/>
+              <a:t> were dominating countries in MAX medal won count.</a:t>
+            </a:r>
+          </a:p>
+          <a:p>
+            <a:r>
+              <a:rPr lang="en-US" sz="1600" b="1" dirty="0"/>
+              <a:t>URS,USA,GBR</a:t>
+            </a:r>
+            <a:r>
+              <a:rPr lang="en-US" sz="1600" dirty="0"/>
+              <a:t> are the Countries with </a:t>
+            </a:r>
+            <a:r>
+              <a:rPr lang="en-US" sz="1600" b="1" dirty="0"/>
+              <a:t>Maximum Number of Gold Medals</a:t>
+            </a:r>
+            <a:r>
+              <a:rPr lang="en-US" sz="1600" dirty="0"/>
+              <a:t> in History</a:t>
+            </a:r>
+          </a:p>
+          <a:p>
+            <a:r>
+              <a:rPr lang="en-US" sz="1600" dirty="0"/>
+              <a:t>From 1988 onwards, on an average 500 medals being won by different countries.</a:t>
+            </a:r>
+          </a:p>
+          <a:p>
+            <a:r>
+              <a:rPr lang="en-US" sz="1600" i="1" dirty="0" err="1"/>
+              <a:t>Canoe,Trithalon,Teakwondo,Softball</a:t>
+            </a:r>
+            <a:r>
+              <a:rPr lang="en-US" sz="1600" i="1" dirty="0"/>
+              <a:t>_</a:t>
+            </a:r>
+            <a:r>
+              <a:rPr lang="en-US" sz="1600" dirty="0"/>
+              <a:t> are the </a:t>
+            </a:r>
+            <a:r>
+              <a:rPr lang="en-US" sz="1600" b="1" dirty="0"/>
+              <a:t>Newest games added</a:t>
+            </a:r>
+            <a:r>
+              <a:rPr lang="en-US" sz="1600" dirty="0"/>
+              <a:t> to Olympics.</a:t>
+            </a:r>
+          </a:p>
+          <a:p>
+            <a:r>
+              <a:rPr lang="en-US" sz="1600" b="1" dirty="0" err="1"/>
+              <a:t>Athletics,Aquatics</a:t>
+            </a:r>
+            <a:r>
+              <a:rPr lang="en-US" sz="1600" dirty="0"/>
+              <a:t> were the Sports with </a:t>
+            </a:r>
+            <a:r>
+              <a:rPr lang="en-US" sz="1600" b="1" dirty="0"/>
+              <a:t>maximum events.</a:t>
+            </a:r>
+            <a:endParaRPr lang="en-US" sz="1600" dirty="0"/>
+          </a:p>
+          <a:p>
+            <a:r>
+              <a:rPr lang="en-US" sz="1600" dirty="0"/>
+              <a:t>Men were dominating in bagging Olympics medals but women Athlete also pick up the pace with time. </a:t>
+            </a:r>
+            <a:r>
+              <a:rPr lang="en-US" sz="1600" b="1" dirty="0"/>
+              <a:t>73%</a:t>
+            </a:r>
+            <a:r>
+              <a:rPr lang="en-US" sz="1600" dirty="0"/>
+              <a:t> Men </a:t>
+            </a:r>
+            <a:r>
+              <a:rPr lang="en-US" sz="1600" b="1" dirty="0"/>
+              <a:t>27%</a:t>
+            </a:r>
+            <a:r>
+              <a:rPr lang="en-US" sz="1600" dirty="0"/>
+              <a:t> Women</a:t>
+            </a:r>
+          </a:p>
+          <a:p>
+            <a:r>
+              <a:rPr lang="en-US" sz="1600" dirty="0"/>
+              <a:t>Women Athlete Performance increased significantly over the period.</a:t>
+            </a:r>
+          </a:p>
+          <a:p>
+            <a:r>
+              <a:rPr lang="en-US" sz="1600" b="1" dirty="0"/>
+              <a:t>LATYINA </a:t>
+            </a:r>
+            <a:r>
+              <a:rPr lang="en-US" sz="1600" b="1" dirty="0" err="1"/>
+              <a:t>Laisa</a:t>
+            </a:r>
+            <a:r>
+              <a:rPr lang="en-US" sz="1600" b="1" dirty="0"/>
+              <a:t>, Thompson </a:t>
+            </a:r>
+            <a:r>
+              <a:rPr lang="en-US" sz="1600" b="1" dirty="0" err="1"/>
+              <a:t>Jenny,FISCHER</a:t>
+            </a:r>
+            <a:r>
+              <a:rPr lang="en-US" sz="1600" dirty="0"/>
+              <a:t> Birgit are the TOP THREE women Athlete.</a:t>
+            </a:r>
+          </a:p>
+          <a:p>
+            <a:r>
+              <a:rPr lang="en-US" sz="1600" b="1" dirty="0"/>
+              <a:t>Michael PHELPS , Paavo </a:t>
+            </a:r>
+            <a:r>
+              <a:rPr lang="en-US" sz="1600" b="1" dirty="0" err="1"/>
+              <a:t>NURMI,Carl</a:t>
+            </a:r>
+            <a:r>
+              <a:rPr lang="en-US" sz="1600" b="1" dirty="0"/>
+              <a:t> LEWIS</a:t>
+            </a:r>
+            <a:r>
+              <a:rPr lang="en-US" sz="1600" dirty="0"/>
+              <a:t> are the TOP THREE Men Athletes.</a:t>
+            </a:r>
+          </a:p>
+          <a:p>
+            <a:r>
+              <a:rPr lang="en-US" sz="1600" b="1" dirty="0"/>
+              <a:t>Indian Olympics Performance was good from 1928 to 1956 with on average 15 Medals per Olympics</a:t>
+            </a:r>
+            <a:endParaRPr lang="en-US" sz="1600" dirty="0"/>
+          </a:p>
+          <a:p>
+            <a:r>
+              <a:rPr lang="en-US" sz="1600" b="1" dirty="0"/>
+              <a:t>Indian Performance dropped from 1980 to 1996 with ZERO medal and gain momentum from 1996 onwards</a:t>
+            </a:r>
+            <a:endParaRPr lang="en-US" sz="1600" dirty="0"/>
+          </a:p>
+          <a:p>
+            <a:r>
+              <a:rPr lang="en-US" sz="1600" b="1" dirty="0"/>
+              <a:t>Leslie Walter Claudius was the first Indian to bag MEDAL in Olympics followed by UDHAM Singh </a:t>
+            </a:r>
+            <a:r>
+              <a:rPr lang="en-US" sz="1600" b="1" dirty="0" err="1"/>
+              <a:t>Kullar,Balbir</a:t>
+            </a:r>
+            <a:r>
+              <a:rPr lang="en-US" sz="1600" b="1" dirty="0"/>
+              <a:t> Singh Dosanjh</a:t>
+            </a:r>
+            <a:endParaRPr lang="en-US" sz="1600" dirty="0"/>
+          </a:p>
+          <a:p>
+            <a:endParaRPr lang="en-US" sz="1600" dirty="0"/>
+          </a:p>
+        </p:txBody>
+      </p:sp>
+    </p:spTree>
+    <p:extLst>
+      <p:ext uri="{BB962C8B-B14F-4D97-AF65-F5344CB8AC3E}">
+        <p14:creationId xmlns:p14="http://schemas.microsoft.com/office/powerpoint/2010/main" val="412328036"/>
+      </p:ext>
+    </p:extLst>
+  </p:cSld>
+  <p:clrMapOvr>
+    <a:masterClrMapping/>
+  </p:clrMapOvr>
+</p:sld>
+</file>
+
+<file path=ppt/slides/slide23.xml><?xml version="1.0" encoding="utf-8"?>
+<p:sld xmlns:a="http://schemas.openxmlformats.org/drawingml/2006/main" xmlns:r="http://schemas.openxmlformats.org/officeDocument/2006/relationships" xmlns:p="http://schemas.openxmlformats.org/presentationml/2006/main">
+  <p:cSld>
+    <p:bg>
+      <p:bgPr>
+        <a:solidFill>
+          <a:schemeClr val="bg1"/>
+        </a:solidFill>
+        <a:effectLst/>
+      </p:bgPr>
+    </p:bg>
+    <p:spTree>
+      <p:nvGrpSpPr>
+        <p:cNvPr id="1" name=""/>
+        <p:cNvGrpSpPr/>
+        <p:nvPr/>
+      </p:nvGrpSpPr>
+      <p:grpSpPr>
+        <a:xfrm>
+          <a:off x="0" y="0"/>
+          <a:ext cx="0" cy="0"/>
+          <a:chOff x="0" y="0"/>
+          <a:chExt cx="0" cy="0"/>
+        </a:xfrm>
+      </p:grpSpPr>
+      <p:sp useBgFill="1">
+        <p:nvSpPr>
+          <p:cNvPr id="13" name="Rectangle 12">
+            <a:extLst>
+              <a:ext uri="{FF2B5EF4-FFF2-40B4-BE49-F238E27FC236}">
+                <a16:creationId xmlns:a16="http://schemas.microsoft.com/office/drawing/2014/main" id="{3B854194-185D-494D-905C-7C7CB2E30F6E}"/>
+              </a:ext>
+              <a:ext uri="{C183D7F6-B498-43B3-948B-1728B52AA6E4}">
+                <adec:decorative xmlns:adec="http://schemas.microsoft.com/office/drawing/2017/decorative" val="1"/>
+              </a:ext>
+            </a:extLst>
+          </p:cNvPr>
+          <p:cNvSpPr>
+            <a:spLocks noGrp="1" noRot="1" noChangeAspect="1" noMove="1" noResize="1" noEditPoints="1" noAdjustHandles="1" noChangeArrowheads="1" noChangeShapeType="1" noTextEdit="1"/>
+          </p:cNvSpPr>
+          <p:nvPr>
+            <p:extLst>
+              <p:ext uri="{386F3935-93C4-4BCD-93E2-E3B085C9AB24}">
+                <p16:designElem xmlns:p16="http://schemas.microsoft.com/office/powerpoint/2015/main" val="1"/>
+              </p:ext>
+            </p:extLst>
+          </p:nvPr>
+        </p:nvSpPr>
+        <p:spPr>
+          <a:xfrm>
+            <a:off x="1" y="0"/>
+            <a:ext cx="6082110" cy="6858000"/>
+          </a:xfrm>
+          <a:prstGeom prst="rect">
+            <a:avLst/>
+          </a:prstGeom>
+          <a:ln>
+            <a:noFill/>
+          </a:ln>
+        </p:spPr>
+        <p:style>
+          <a:lnRef idx="2">
+            <a:schemeClr val="accent1">
+              <a:shade val="50000"/>
+            </a:schemeClr>
+          </a:lnRef>
+          <a:fillRef idx="1">
+            <a:schemeClr val="accent1"/>
+          </a:fillRef>
+          <a:effectRef idx="0">
+            <a:schemeClr val="accent1"/>
+          </a:effectRef>
+          <a:fontRef idx="minor">
+            <a:schemeClr val="lt1"/>
+          </a:fontRef>
+        </p:style>
+        <p:txBody>
+          <a:bodyPr rtlCol="0" anchor="ctr"/>
+          <a:lstStyle/>
+          <a:p>
+            <a:pPr algn="ctr"/>
+            <a:endParaRPr lang="en-US"/>
+          </a:p>
+        </p:txBody>
+      </p:sp>
+      <p:sp>
+        <p:nvSpPr>
+          <p:cNvPr id="15" name="Rectangle 14">
+            <a:extLst>
+              <a:ext uri="{FF2B5EF4-FFF2-40B4-BE49-F238E27FC236}">
+                <a16:creationId xmlns:a16="http://schemas.microsoft.com/office/drawing/2014/main" id="{B4F5FA0D-0104-4987-8241-EFF7C85B88DE}"/>
+              </a:ext>
+              <a:ext uri="{C183D7F6-B498-43B3-948B-1728B52AA6E4}">
+                <adec:decorative xmlns:adec="http://schemas.microsoft.com/office/drawing/2017/decorative" val="1"/>
+              </a:ext>
+            </a:extLst>
+          </p:cNvPr>
+          <p:cNvSpPr>
+            <a:spLocks noGrp="1" noRot="1" noChangeAspect="1" noMove="1" noResize="1" noEditPoints="1" noAdjustHandles="1" noChangeArrowheads="1" noChangeShapeType="1" noTextEdit="1"/>
+          </p:cNvSpPr>
+          <p:nvPr>
+            <p:extLst>
+              <p:ext uri="{386F3935-93C4-4BCD-93E2-E3B085C9AB24}">
+                <p16:designElem xmlns:p16="http://schemas.microsoft.com/office/powerpoint/2015/main" val="1"/>
+              </p:ext>
+            </p:extLst>
+          </p:nvPr>
+        </p:nvSpPr>
+        <p:spPr>
+          <a:xfrm>
+            <a:off x="1" y="0"/>
+            <a:ext cx="12191998" cy="6858000"/>
+          </a:xfrm>
+          <a:prstGeom prst="rect">
+            <a:avLst/>
+          </a:prstGeom>
+          <a:gradFill>
+            <a:gsLst>
+              <a:gs pos="0">
+                <a:schemeClr val="accent1">
+                  <a:lumMod val="90000"/>
+                </a:schemeClr>
+              </a:gs>
+              <a:gs pos="25000">
+                <a:schemeClr val="accent1">
+                  <a:lumMod val="90000"/>
+                </a:schemeClr>
+              </a:gs>
+              <a:gs pos="94000">
+                <a:schemeClr val="bg2">
+                  <a:lumMod val="25000"/>
+                </a:schemeClr>
+              </a:gs>
+              <a:gs pos="100000">
+                <a:schemeClr val="bg2">
+                  <a:lumMod val="25000"/>
+                </a:schemeClr>
+              </a:gs>
+            </a:gsLst>
+            <a:lin ang="4200000" scaled="0"/>
+          </a:gradFill>
+          <a:ln>
+            <a:noFill/>
+          </a:ln>
+        </p:spPr>
+        <p:style>
+          <a:lnRef idx="2">
+            <a:schemeClr val="accent1">
+              <a:shade val="50000"/>
+            </a:schemeClr>
+          </a:lnRef>
+          <a:fillRef idx="1">
+            <a:schemeClr val="accent1"/>
+          </a:fillRef>
+          <a:effectRef idx="0">
+            <a:schemeClr val="accent1"/>
+          </a:effectRef>
+          <a:fontRef idx="minor">
+            <a:schemeClr val="lt1"/>
+          </a:fontRef>
+        </p:style>
+        <p:txBody>
+          <a:bodyPr rtlCol="0" anchor="ctr"/>
+          <a:lstStyle/>
+          <a:p>
+            <a:pPr algn="ctr"/>
+            <a:endParaRPr lang="en-US"/>
+          </a:p>
+        </p:txBody>
+      </p:sp>
+      <p:pic>
+        <p:nvPicPr>
+          <p:cNvPr id="17" name="Picture 16">
+            <a:extLst>
+              <a:ext uri="{FF2B5EF4-FFF2-40B4-BE49-F238E27FC236}">
+                <a16:creationId xmlns:a16="http://schemas.microsoft.com/office/drawing/2014/main" id="{2897127E-6CEF-446C-BE87-93B7C46E49D1}"/>
+              </a:ext>
+              <a:ext uri="{C183D7F6-B498-43B3-948B-1728B52AA6E4}">
+                <adec:decorative xmlns:adec="http://schemas.microsoft.com/office/drawing/2017/decorative" val="1"/>
+              </a:ext>
+            </a:extLst>
+          </p:cNvPr>
+          <p:cNvPicPr>
+            <a:picLocks noGrp="1" noRot="1" noChangeAspect="1" noMove="1" noResize="1" noEditPoints="1" noAdjustHandles="1" noChangeArrowheads="1" noChangeShapeType="1" noCrop="1"/>
+          </p:cNvPicPr>
+          <p:nvPr>
+            <p:extLst>
+              <p:ext uri="{386F3935-93C4-4BCD-93E2-E3B085C9AB24}">
+                <p16:designElem xmlns:p16="http://schemas.microsoft.com/office/powerpoint/2015/main" val="1"/>
+              </p:ext>
+            </p:extLst>
+          </p:nvPr>
+        </p:nvPicPr>
+        <p:blipFill>
+          <a:blip r:embed="rId2">
+            <a:extLst>
+              <a:ext uri="{28A0092B-C50C-407E-A947-70E740481C1C}">
+                <a14:useLocalDpi xmlns:a14="http://schemas.microsoft.com/office/drawing/2010/main" val="0"/>
+              </a:ext>
+            </a:extLst>
+          </a:blip>
+          <a:stretch>
+            <a:fillRect/>
+          </a:stretch>
+        </p:blipFill>
+        <p:spPr>
+          <a:xfrm>
+            <a:off x="0" y="0"/>
+            <a:ext cx="12192000" cy="6858000"/>
+          </a:xfrm>
+          <a:prstGeom prst="rect">
+            <a:avLst/>
+          </a:prstGeom>
+        </p:spPr>
+      </p:pic>
+      <p:sp>
+        <p:nvSpPr>
+          <p:cNvPr id="2" name="Title 1">
+            <a:extLst>
+              <a:ext uri="{FF2B5EF4-FFF2-40B4-BE49-F238E27FC236}">
+                <a16:creationId xmlns:a16="http://schemas.microsoft.com/office/drawing/2014/main" id="{23372F76-603F-4177-903A-5CDE55EEF1E5}"/>
+              </a:ext>
+            </a:extLst>
+          </p:cNvPr>
+          <p:cNvSpPr>
+            <a:spLocks noGrp="1"/>
+          </p:cNvSpPr>
+          <p:nvPr>
+            <p:ph type="title"/>
+          </p:nvPr>
+        </p:nvSpPr>
+        <p:spPr>
+          <a:xfrm>
+            <a:off x="640079" y="2053641"/>
+            <a:ext cx="3669161" cy="2760098"/>
+          </a:xfrm>
+        </p:spPr>
+        <p:txBody>
+          <a:bodyPr>
+            <a:normAutofit/>
+          </a:bodyPr>
+          <a:lstStyle/>
+          <a:p>
+            <a:r>
+              <a:rPr lang="en-US" dirty="0">
+                <a:solidFill>
+                  <a:srgbClr val="FFFFFF"/>
+                </a:solidFill>
+              </a:rPr>
+              <a:t>Thank You</a:t>
+            </a:r>
+          </a:p>
+        </p:txBody>
+      </p:sp>
+      <p:sp>
+        <p:nvSpPr>
+          <p:cNvPr id="8" name="Content Placeholder 7">
+            <a:extLst>
+              <a:ext uri="{FF2B5EF4-FFF2-40B4-BE49-F238E27FC236}">
+                <a16:creationId xmlns:a16="http://schemas.microsoft.com/office/drawing/2014/main" id="{ED6365CE-59A9-4FEA-BF8B-2F438B0C74FF}"/>
+              </a:ext>
+            </a:extLst>
+          </p:cNvPr>
+          <p:cNvSpPr>
+            <a:spLocks noGrp="1"/>
+          </p:cNvSpPr>
+          <p:nvPr>
+            <p:ph idx="1"/>
+          </p:nvPr>
+        </p:nvSpPr>
+        <p:spPr>
+          <a:xfrm>
+            <a:off x="6090574" y="801866"/>
+            <a:ext cx="5306084" cy="5230634"/>
+          </a:xfrm>
+        </p:spPr>
+        <p:txBody>
+          <a:bodyPr anchor="ctr">
+            <a:normAutofit/>
+          </a:bodyPr>
+          <a:lstStyle/>
+          <a:p>
+            <a:r>
+              <a:rPr lang="en-US" sz="2400">
+                <a:solidFill>
+                  <a:srgbClr val="000000"/>
+                </a:solidFill>
+              </a:rPr>
+              <a:t>GitHub References</a:t>
+            </a:r>
+          </a:p>
+          <a:p>
+            <a:pPr lvl="1"/>
+            <a:r>
+              <a:rPr lang="en-US">
+                <a:solidFill>
+                  <a:srgbClr val="000000"/>
+                </a:solidFill>
+                <a:hlinkClick r:id="rId3"/>
+              </a:rPr>
+              <a:t>https://github.com/harjeet31/Summer-Olympics-EDA/blob/master/Olympic_Project_Term1%262.ipynb</a:t>
+            </a:r>
+            <a:endParaRPr lang="en-US">
+              <a:solidFill>
+                <a:srgbClr val="000000"/>
+              </a:solidFill>
+            </a:endParaRPr>
+          </a:p>
+          <a:p>
+            <a:pPr lvl="1"/>
+            <a:r>
+              <a:rPr lang="en-US">
+                <a:solidFill>
+                  <a:srgbClr val="000000"/>
+                </a:solidFill>
+                <a:hlinkClick r:id="rId4"/>
+              </a:rPr>
+              <a:t>https://github.com/harjeet31/Summer-Olympics-EDA/blob/master/Summer%20Olympics%20-%20EDA.pdf</a:t>
+            </a:r>
+            <a:endParaRPr lang="en-US">
+              <a:solidFill>
+                <a:srgbClr val="000000"/>
+              </a:solidFill>
+            </a:endParaRPr>
+          </a:p>
+          <a:p>
+            <a:pPr lvl="1"/>
+            <a:r>
+              <a:rPr lang="en-US">
+                <a:solidFill>
+                  <a:srgbClr val="000000"/>
+                </a:solidFill>
+                <a:hlinkClick r:id="rId5"/>
+              </a:rPr>
+              <a:t>https://github.com/harjeet31/Summer-Olympics-EDA/blob/master/OlympicsDataset_After_preprocessing.html</a:t>
+            </a:r>
+            <a:endParaRPr lang="en-US">
+              <a:solidFill>
+                <a:srgbClr val="000000"/>
+              </a:solidFill>
+            </a:endParaRPr>
+          </a:p>
+          <a:p>
+            <a:pPr lvl="1"/>
+            <a:endParaRPr lang="en-US">
+              <a:solidFill>
+                <a:srgbClr val="000000"/>
+              </a:solidFill>
+            </a:endParaRPr>
+          </a:p>
+        </p:txBody>
+      </p:sp>
+    </p:spTree>
+    <p:extLst>
+      <p:ext uri="{BB962C8B-B14F-4D97-AF65-F5344CB8AC3E}">
+        <p14:creationId xmlns:p14="http://schemas.microsoft.com/office/powerpoint/2010/main" val="316974516"/>
       </p:ext>
     </p:extLst>
   </p:cSld>
@@ -9530,6 +12993,36 @@
           </a:prstGeom>
         </p:spPr>
       </p:pic>
+      <p:pic>
+        <p:nvPicPr>
+          <p:cNvPr id="2" name="Picture 1">
+            <a:extLst>
+              <a:ext uri="{FF2B5EF4-FFF2-40B4-BE49-F238E27FC236}">
+                <a16:creationId xmlns:a16="http://schemas.microsoft.com/office/drawing/2014/main" id="{AD5836B7-1E7F-4439-A42D-91E3D19C5C2F}"/>
+              </a:ext>
+            </a:extLst>
+          </p:cNvPr>
+          <p:cNvPicPr>
+            <a:picLocks noChangeAspect="1"/>
+          </p:cNvPicPr>
+          <p:nvPr/>
+        </p:nvPicPr>
+        <p:blipFill>
+          <a:blip r:embed="rId3"/>
+          <a:stretch>
+            <a:fillRect/>
+          </a:stretch>
+        </p:blipFill>
+        <p:spPr>
+          <a:xfrm>
+            <a:off x="57901" y="6013588"/>
+            <a:ext cx="5381625" cy="476250"/>
+          </a:xfrm>
+          <a:prstGeom prst="rect">
+            <a:avLst/>
+          </a:prstGeom>
+        </p:spPr>
+      </p:pic>
     </p:spTree>
     <p:extLst>
       <p:ext uri="{BB962C8B-B14F-4D97-AF65-F5344CB8AC3E}">
@@ -9568,42 +13061,6 @@
           <a:chExt cx="0" cy="0"/>
         </a:xfrm>
       </p:grpSpPr>
-      <p:pic>
-        <p:nvPicPr>
-          <p:cNvPr id="5" name="Content Placeholder 4" descr="A close up of a logo&#10;&#10;Description automatically generated">
-            <a:extLst>
-              <a:ext uri="{FF2B5EF4-FFF2-40B4-BE49-F238E27FC236}">
-                <a16:creationId xmlns:a16="http://schemas.microsoft.com/office/drawing/2014/main" id="{A124A769-1C51-4592-986E-80359672BB9E}"/>
-              </a:ext>
-            </a:extLst>
-          </p:cNvPr>
-          <p:cNvPicPr>
-            <a:picLocks noChangeAspect="1"/>
-          </p:cNvPicPr>
-          <p:nvPr/>
-        </p:nvPicPr>
-        <p:blipFill rotWithShape="1">
-          <a:blip r:embed="rId2">
-            <a:extLst>
-              <a:ext uri="{28A0092B-C50C-407E-A947-70E740481C1C}">
-                <a14:useLocalDpi xmlns:a14="http://schemas.microsoft.com/office/drawing/2010/main" val="0"/>
-              </a:ext>
-            </a:extLst>
-          </a:blip>
-          <a:srcRect l="5947" r="5946" b="-1"/>
-          <a:stretch/>
-        </p:blipFill>
-        <p:spPr>
-          <a:xfrm>
-            <a:off x="92766" y="0"/>
-            <a:ext cx="11765935" cy="6857990"/>
-          </a:xfrm>
-          <a:prstGeom prst="rect">
-            <a:avLst/>
-          </a:prstGeom>
-          <a:effectLst/>
-        </p:spPr>
-      </p:pic>
       <p:sp>
         <p:nvSpPr>
           <p:cNvPr id="2" name="Title 1">
@@ -9639,6 +13096,102 @@
           </a:p>
         </p:txBody>
       </p:sp>
+      <p:pic>
+        <p:nvPicPr>
+          <p:cNvPr id="7" name="Picture 6" descr="A screenshot of a cell phone&#10;&#10;Description automatically generated">
+            <a:extLst>
+              <a:ext uri="{FF2B5EF4-FFF2-40B4-BE49-F238E27FC236}">
+                <a16:creationId xmlns:a16="http://schemas.microsoft.com/office/drawing/2014/main" id="{AE501262-0CC4-4F8F-97F9-67C9B80FCFE9}"/>
+              </a:ext>
+            </a:extLst>
+          </p:cNvPr>
+          <p:cNvPicPr>
+            <a:picLocks noChangeAspect="1"/>
+          </p:cNvPicPr>
+          <p:nvPr/>
+        </p:nvPicPr>
+        <p:blipFill>
+          <a:blip r:embed="rId2">
+            <a:extLst>
+              <a:ext uri="{28A0092B-C50C-407E-A947-70E740481C1C}">
+                <a14:useLocalDpi xmlns:a14="http://schemas.microsoft.com/office/drawing/2010/main" val="0"/>
+              </a:ext>
+            </a:extLst>
+          </a:blip>
+          <a:stretch>
+            <a:fillRect/>
+          </a:stretch>
+        </p:blipFill>
+        <p:spPr>
+          <a:xfrm>
+            <a:off x="-108857" y="478734"/>
+            <a:ext cx="12409714" cy="6902332"/>
+          </a:xfrm>
+          <a:prstGeom prst="rect">
+            <a:avLst/>
+          </a:prstGeom>
+        </p:spPr>
+      </p:pic>
+      <p:pic>
+        <p:nvPicPr>
+          <p:cNvPr id="8" name="Picture 7">
+            <a:extLst>
+              <a:ext uri="{FF2B5EF4-FFF2-40B4-BE49-F238E27FC236}">
+                <a16:creationId xmlns:a16="http://schemas.microsoft.com/office/drawing/2014/main" id="{86140931-D200-43A8-AC32-0B8B3A98BE3E}"/>
+              </a:ext>
+            </a:extLst>
+          </p:cNvPr>
+          <p:cNvPicPr>
+            <a:picLocks noChangeAspect="1"/>
+          </p:cNvPicPr>
+          <p:nvPr/>
+        </p:nvPicPr>
+        <p:blipFill>
+          <a:blip r:embed="rId3"/>
+          <a:stretch>
+            <a:fillRect/>
+          </a:stretch>
+        </p:blipFill>
+        <p:spPr>
+          <a:xfrm>
+            <a:off x="179732" y="478734"/>
+            <a:ext cx="5524500" cy="419100"/>
+          </a:xfrm>
+          <a:prstGeom prst="rect">
+            <a:avLst/>
+          </a:prstGeom>
+        </p:spPr>
+      </p:pic>
+      <p:pic>
+        <p:nvPicPr>
+          <p:cNvPr id="9" name="Picture 8">
+            <a:extLst>
+              <a:ext uri="{FF2B5EF4-FFF2-40B4-BE49-F238E27FC236}">
+                <a16:creationId xmlns:a16="http://schemas.microsoft.com/office/drawing/2014/main" id="{3C3D55AB-572E-4438-8C39-AB19B9B7403E}"/>
+              </a:ext>
+            </a:extLst>
+          </p:cNvPr>
+          <p:cNvPicPr>
+            <a:picLocks noChangeAspect="1"/>
+          </p:cNvPicPr>
+          <p:nvPr/>
+        </p:nvPicPr>
+        <p:blipFill>
+          <a:blip r:embed="rId4"/>
+          <a:stretch>
+            <a:fillRect/>
+          </a:stretch>
+        </p:blipFill>
+        <p:spPr>
+          <a:xfrm>
+            <a:off x="151157" y="718101"/>
+            <a:ext cx="5581650" cy="247650"/>
+          </a:xfrm>
+          <a:prstGeom prst="rect">
+            <a:avLst/>
+          </a:prstGeom>
+        </p:spPr>
+      </p:pic>
     </p:spTree>
     <p:extLst>
       <p:ext uri="{BB962C8B-B14F-4D97-AF65-F5344CB8AC3E}">
@@ -9653,6 +13206,81 @@
 </file>
 
 <file path=ppt/slides/slide6.xml><?xml version="1.0" encoding="utf-8"?>
+<p:sld xmlns:a="http://schemas.openxmlformats.org/drawingml/2006/main" xmlns:r="http://schemas.openxmlformats.org/officeDocument/2006/relationships" xmlns:p="http://schemas.openxmlformats.org/presentationml/2006/main">
+  <p:cSld>
+    <p:bg>
+      <p:bgPr>
+        <a:solidFill>
+          <a:schemeClr val="bg1"/>
+        </a:solidFill>
+        <a:effectLst/>
+      </p:bgPr>
+    </p:bg>
+    <p:spTree>
+      <p:nvGrpSpPr>
+        <p:cNvPr id="1" name=""/>
+        <p:cNvGrpSpPr/>
+        <p:nvPr/>
+      </p:nvGrpSpPr>
+      <p:grpSpPr>
+        <a:xfrm>
+          <a:off x="0" y="0"/>
+          <a:ext cx="0" cy="0"/>
+          <a:chOff x="0" y="0"/>
+          <a:chExt cx="0" cy="0"/>
+        </a:xfrm>
+      </p:grpSpPr>
+      <p:pic>
+        <p:nvPicPr>
+          <p:cNvPr id="5" name="Content Placeholder 4" descr="A picture containing person&#10;&#10;Description automatically generated">
+            <a:extLst>
+              <a:ext uri="{FF2B5EF4-FFF2-40B4-BE49-F238E27FC236}">
+                <a16:creationId xmlns:a16="http://schemas.microsoft.com/office/drawing/2014/main" id="{1D01012D-BA96-4B13-A75E-4F35456E0001}"/>
+              </a:ext>
+            </a:extLst>
+          </p:cNvPr>
+          <p:cNvPicPr>
+            <a:picLocks noGrp="1" noChangeAspect="1"/>
+          </p:cNvPicPr>
+          <p:nvPr>
+            <p:ph idx="1"/>
+          </p:nvPr>
+        </p:nvPicPr>
+        <p:blipFill rotWithShape="1">
+          <a:blip r:embed="rId2">
+            <a:extLst>
+              <a:ext uri="{28A0092B-C50C-407E-A947-70E740481C1C}">
+                <a14:useLocalDpi xmlns:a14="http://schemas.microsoft.com/office/drawing/2010/main" val="0"/>
+              </a:ext>
+            </a:extLst>
+          </a:blip>
+          <a:srcRect t="2597"/>
+          <a:stretch/>
+        </p:blipFill>
+        <p:spPr>
+          <a:xfrm>
+            <a:off x="20" y="10"/>
+            <a:ext cx="12191980" cy="6857990"/>
+          </a:xfrm>
+          <a:prstGeom prst="rect">
+            <a:avLst/>
+          </a:prstGeom>
+        </p:spPr>
+      </p:pic>
+    </p:spTree>
+    <p:extLst>
+      <p:ext uri="{BB962C8B-B14F-4D97-AF65-F5344CB8AC3E}">
+        <p14:creationId xmlns:p14="http://schemas.microsoft.com/office/powerpoint/2010/main" val="563999137"/>
+      </p:ext>
+    </p:extLst>
+  </p:cSld>
+  <p:clrMapOvr>
+    <a:masterClrMapping/>
+  </p:clrMapOvr>
+</p:sld>
+</file>
+
+<file path=ppt/slides/slide7.xml><?xml version="1.0" encoding="utf-8"?>
 <p:sld xmlns:a="http://schemas.openxmlformats.org/drawingml/2006/main" xmlns:r="http://schemas.openxmlformats.org/officeDocument/2006/relationships" xmlns:p="http://schemas.openxmlformats.org/presentationml/2006/main">
   <p:cSld>
     <p:bg>
@@ -9860,6 +13488,36 @@
           </a:prstGeom>
         </p:spPr>
       </p:pic>
+      <p:pic>
+        <p:nvPicPr>
+          <p:cNvPr id="3" name="Picture 2">
+            <a:extLst>
+              <a:ext uri="{FF2B5EF4-FFF2-40B4-BE49-F238E27FC236}">
+                <a16:creationId xmlns:a16="http://schemas.microsoft.com/office/drawing/2014/main" id="{E14B0371-2B93-4BA1-8451-D1AF5C49E2DF}"/>
+              </a:ext>
+            </a:extLst>
+          </p:cNvPr>
+          <p:cNvPicPr>
+            <a:picLocks noChangeAspect="1"/>
+          </p:cNvPicPr>
+          <p:nvPr/>
+        </p:nvPicPr>
+        <p:blipFill>
+          <a:blip r:embed="rId3"/>
+          <a:stretch>
+            <a:fillRect/>
+          </a:stretch>
+        </p:blipFill>
+        <p:spPr>
+          <a:xfrm>
+            <a:off x="6062605" y="6214533"/>
+            <a:ext cx="5334000" cy="238125"/>
+          </a:xfrm>
+          <a:prstGeom prst="rect">
+            <a:avLst/>
+          </a:prstGeom>
+        </p:spPr>
+      </p:pic>
     </p:spTree>
     <p:extLst>
       <p:ext uri="{BB962C8B-B14F-4D97-AF65-F5344CB8AC3E}">
@@ -9873,7 +13531,7 @@
 </p:sld>
 </file>
 
-<file path=ppt/slides/slide7.xml><?xml version="1.0" encoding="utf-8"?>
+<file path=ppt/slides/slide8.xml><?xml version="1.0" encoding="utf-8"?>
 <p:sld xmlns:a="http://schemas.openxmlformats.org/drawingml/2006/main" xmlns:r="http://schemas.openxmlformats.org/officeDocument/2006/relationships" xmlns:p="http://schemas.openxmlformats.org/presentationml/2006/main">
   <p:cSld>
     <p:bg>
@@ -9900,21 +13558,19 @@
       </p:grpSpPr>
       <p:pic>
         <p:nvPicPr>
-          <p:cNvPr id="19" name="Content Placeholder 18" descr="A picture containing screenshot&#10;&#10;Description automatically generated">
-            <a:extLst>
-              <a:ext uri="{FF2B5EF4-FFF2-40B4-BE49-F238E27FC236}">
-                <a16:creationId xmlns:a16="http://schemas.microsoft.com/office/drawing/2014/main" id="{85DB35E6-72BF-431B-88EA-909A1BA4D071}"/>
+          <p:cNvPr id="3" name="Picture 2" descr="A picture containing screenshot&#10;&#10;Description automatically generated">
+            <a:extLst>
+              <a:ext uri="{FF2B5EF4-FFF2-40B4-BE49-F238E27FC236}">
+                <a16:creationId xmlns:a16="http://schemas.microsoft.com/office/drawing/2014/main" id="{49E29C2F-5F12-4AC1-AEF9-63FCA7F43C23}"/>
               </a:ext>
             </a:extLst>
           </p:cNvPr>
           <p:cNvPicPr>
-            <a:picLocks noGrp="1" noChangeAspect="1"/>
+            <a:picLocks noChangeAspect="1"/>
           </p:cNvPicPr>
-          <p:nvPr>
-            <p:ph idx="1"/>
-          </p:nvPr>
+          <p:nvPr/>
         </p:nvPicPr>
-        <p:blipFill rotWithShape="1">
+        <p:blipFill>
           <a:blip r:embed="rId2">
             <a:extLst>
               <a:ext uri="{28A0092B-C50C-407E-A947-70E740481C1C}">
@@ -9922,13 +13578,14 @@
               </a:ext>
             </a:extLst>
           </a:blip>
-          <a:srcRect l="7522" r="3589"/>
-          <a:stretch/>
+          <a:stretch>
+            <a:fillRect/>
+          </a:stretch>
         </p:blipFill>
         <p:spPr>
           <a:xfrm>
-            <a:off x="-190500" y="10"/>
-            <a:ext cx="12382500" cy="6857990"/>
+            <a:off x="-224971" y="-516835"/>
+            <a:ext cx="12641942" cy="7520766"/>
           </a:xfrm>
           <a:prstGeom prst="rect">
             <a:avLst/>
@@ -9948,7 +13605,7 @@
 </p:sld>
 </file>
 
-<file path=ppt/slides/slide8.xml><?xml version="1.0" encoding="utf-8"?>
+<file path=ppt/slides/slide9.xml><?xml version="1.0" encoding="utf-8"?>
 <p:sld xmlns:a="http://schemas.openxmlformats.org/drawingml/2006/main" xmlns:r="http://schemas.openxmlformats.org/officeDocument/2006/relationships" xmlns:p="http://schemas.openxmlformats.org/presentationml/2006/main">
   <p:cSld>
     <p:bg>
@@ -10027,10 +13684,10 @@
       </p:cxnSp>
       <p:pic>
         <p:nvPicPr>
-          <p:cNvPr id="7" name="Picture 6" descr="A close up of a map&#10;&#10;Description automatically generated">
-            <a:extLst>
-              <a:ext uri="{FF2B5EF4-FFF2-40B4-BE49-F238E27FC236}">
-                <a16:creationId xmlns:a16="http://schemas.microsoft.com/office/drawing/2014/main" id="{28BA41A3-82AE-4AA2-85EB-F905BD7326B8}"/>
+          <p:cNvPr id="3" name="Picture 2" descr="A screenshot of a cell phone&#10;&#10;Description automatically generated">
+            <a:extLst>
+              <a:ext uri="{FF2B5EF4-FFF2-40B4-BE49-F238E27FC236}">
+                <a16:creationId xmlns:a16="http://schemas.microsoft.com/office/drawing/2014/main" id="{E76105EF-8451-4886-8C1F-D92E575A48F3}"/>
               </a:ext>
             </a:extLst>
           </p:cNvPr>
@@ -10053,83 +13710,8 @@
         </p:blipFill>
         <p:spPr>
           <a:xfrm>
-            <a:off x="4262510" y="0"/>
-            <a:ext cx="8215533" cy="6858000"/>
-          </a:xfrm>
-          <a:prstGeom prst="rect">
-            <a:avLst/>
-          </a:prstGeom>
-        </p:spPr>
-      </p:pic>
-    </p:spTree>
-    <p:extLst>
-      <p:ext uri="{BB962C8B-B14F-4D97-AF65-F5344CB8AC3E}">
-        <p14:creationId xmlns:p14="http://schemas.microsoft.com/office/powerpoint/2010/main" val="1783401379"/>
-      </p:ext>
-    </p:extLst>
-  </p:cSld>
-  <p:clrMapOvr>
-    <a:masterClrMapping/>
-  </p:clrMapOvr>
-</p:sld>
-</file>
-
-<file path=ppt/slides/slide9.xml><?xml version="1.0" encoding="utf-8"?>
-<p:sld xmlns:a="http://schemas.openxmlformats.org/drawingml/2006/main" xmlns:r="http://schemas.openxmlformats.org/officeDocument/2006/relationships" xmlns:p="http://schemas.openxmlformats.org/presentationml/2006/main">
-  <p:cSld>
-    <p:bg>
-      <p:bgPr>
-        <a:solidFill>
-          <a:schemeClr val="bg1"/>
-        </a:solidFill>
-        <a:effectLst/>
-      </p:bgPr>
-    </p:bg>
-    <p:spTree>
-      <p:nvGrpSpPr>
-        <p:cNvPr id="1" name=""/>
-        <p:cNvGrpSpPr/>
-        <p:nvPr/>
-      </p:nvGrpSpPr>
-      <p:grpSpPr>
-        <a:xfrm>
-          <a:off x="0" y="0"/>
-          <a:ext cx="0" cy="0"/>
-          <a:chOff x="0" y="0"/>
-          <a:chExt cx="0" cy="0"/>
-        </a:xfrm>
-      </p:grpSpPr>
-      <p:pic>
-        <p:nvPicPr>
-          <p:cNvPr id="5" name="Content Placeholder 4" descr="A screenshot of a computer&#10;&#10;Description automatically generated">
-            <a:extLst>
-              <a:ext uri="{FF2B5EF4-FFF2-40B4-BE49-F238E27FC236}">
-                <a16:creationId xmlns:a16="http://schemas.microsoft.com/office/drawing/2014/main" id="{EA54220E-32BF-4BEE-B73D-F9EA055546F0}"/>
-              </a:ext>
-            </a:extLst>
-          </p:cNvPr>
-          <p:cNvPicPr>
-            <a:picLocks noGrp="1" noChangeAspect="1"/>
-          </p:cNvPicPr>
-          <p:nvPr>
-            <p:ph idx="1"/>
-          </p:nvPr>
-        </p:nvPicPr>
-        <p:blipFill rotWithShape="1">
-          <a:blip r:embed="rId2">
-            <a:extLst>
-              <a:ext uri="{28A0092B-C50C-407E-A947-70E740481C1C}">
-                <a14:useLocalDpi xmlns:a14="http://schemas.microsoft.com/office/drawing/2010/main" val="0"/>
-              </a:ext>
-            </a:extLst>
-          </a:blip>
-          <a:srcRect r="14752"/>
-          <a:stretch/>
-        </p:blipFill>
-        <p:spPr>
-          <a:xfrm>
-            <a:off x="1504951" y="0"/>
-            <a:ext cx="10687049" cy="6724650"/>
+            <a:off x="3439887" y="-116114"/>
+            <a:ext cx="8534400" cy="6858000"/>
           </a:xfrm>
           <a:prstGeom prst="rect">
             <a:avLst/>
@@ -10138,96 +13720,93 @@
       </p:pic>
       <p:sp>
         <p:nvSpPr>
-          <p:cNvPr id="6" name="TextBox 5">
-            <a:extLst>
-              <a:ext uri="{FF2B5EF4-FFF2-40B4-BE49-F238E27FC236}">
-                <a16:creationId xmlns:a16="http://schemas.microsoft.com/office/drawing/2014/main" id="{47D6EB83-2724-4DC5-9398-A4B8EEA213D8}"/>
-              </a:ext>
-            </a:extLst>
-          </p:cNvPr>
-          <p:cNvSpPr txBox="1"/>
-          <p:nvPr/>
+          <p:cNvPr id="9" name="Title 1">
+            <a:extLst>
+              <a:ext uri="{FF2B5EF4-FFF2-40B4-BE49-F238E27FC236}">
+                <a16:creationId xmlns:a16="http://schemas.microsoft.com/office/drawing/2014/main" id="{28EC2D0F-539C-4C42-8099-A6991B1295B9}"/>
+              </a:ext>
+            </a:extLst>
+          </p:cNvPr>
+          <p:cNvSpPr>
+            <a:spLocks noGrp="1"/>
+          </p:cNvSpPr>
+          <p:nvPr>
+            <p:ph type="title"/>
+          </p:nvPr>
         </p:nvSpPr>
         <p:spPr>
           <a:xfrm>
-            <a:off x="185738" y="614363"/>
-            <a:ext cx="1871662" cy="5909310"/>
+            <a:off x="0" y="1258965"/>
+            <a:ext cx="3439887" cy="3636137"/>
           </a:xfrm>
-          <a:prstGeom prst="rect">
+          <a:prstGeom prst="ellipse">
             <a:avLst/>
           </a:prstGeom>
-          <a:noFill/>
+          <a:solidFill>
+            <a:srgbClr val="262626"/>
+          </a:solidFill>
+          <a:ln w="174625" cmpd="thinThick">
+            <a:solidFill>
+              <a:srgbClr val="262626"/>
+            </a:solidFill>
+          </a:ln>
         </p:spPr>
         <p:txBody>
-          <a:bodyPr wrap="square" rtlCol="0">
-            <a:spAutoFit/>
+          <a:bodyPr vert="horz" lIns="91440" tIns="45720" rIns="91440" bIns="45720" rtlCol="0" anchor="ctr">
+            <a:normAutofit fontScale="90000"/>
           </a:bodyPr>
           <a:lstStyle/>
           <a:p>
-            <a:r>
-              <a:rPr lang="en-US" dirty="0"/>
-              <a:t>Total number of Gold </a:t>
-            </a:r>
-            <a:r>
-              <a:rPr lang="en-US" dirty="0" err="1"/>
-              <a:t>Silver,Bronze</a:t>
-            </a:r>
-            <a:r>
-              <a:rPr lang="en-US" dirty="0"/>
-              <a:t> medal won over the Olympic history:-</a:t>
-            </a:r>
-          </a:p>
-          <a:p>
-            <a:endParaRPr lang="en-US" dirty="0"/>
-          </a:p>
-          <a:p>
-            <a:pPr marL="342900" indent="-342900">
-              <a:buAutoNum type="arabicPeriod"/>
-            </a:pPr>
-            <a:r>
-              <a:rPr lang="en-US" dirty="0"/>
-              <a:t>Around 500 Gold medal won in 1920</a:t>
-            </a:r>
-          </a:p>
-          <a:p>
-            <a:pPr marL="342900" indent="-342900">
-              <a:buAutoNum type="arabicPeriod"/>
-            </a:pPr>
-            <a:r>
-              <a:rPr lang="en-US" dirty="0"/>
-              <a:t>From 1976 , more than 400 medals has won each year.</a:t>
-            </a:r>
-          </a:p>
-          <a:p>
-            <a:pPr marL="342900" indent="-342900">
-              <a:buAutoNum type="arabicPeriod"/>
-            </a:pPr>
-            <a:r>
-              <a:rPr lang="en-US" dirty="0"/>
-              <a:t>Medal crossed 700 mark in year 2008</a:t>
-            </a:r>
-          </a:p>
-          <a:p>
-            <a:pPr marL="342900" indent="-342900">
-              <a:buAutoNum type="arabicPeriod"/>
-            </a:pPr>
-            <a:r>
-              <a:rPr lang="en-US" dirty="0"/>
-              <a:t>Highly positive trend.</a:t>
-            </a:r>
-          </a:p>
-          <a:p>
-            <a:pPr marL="342900" indent="-342900">
-              <a:buAutoNum type="arabicPeriod"/>
-            </a:pPr>
-            <a:endParaRPr lang="en-US" dirty="0"/>
+            <a:pPr algn="ctr"/>
+            <a:r>
+              <a:rPr lang="en-US" sz="2600" kern="1200" dirty="0">
+                <a:solidFill>
+                  <a:srgbClr val="FFFFFF"/>
+                </a:solidFill>
+                <a:latin typeface="+mj-lt"/>
+                <a:ea typeface="+mj-ea"/>
+                <a:cs typeface="+mj-cs"/>
+              </a:rPr>
+              <a:t>Top 10 Countries with MAX Gold Medals in Olympics.</a:t>
+            </a:r>
+            <a:br>
+              <a:rPr lang="en-US" sz="2600" kern="1200" dirty="0">
+                <a:solidFill>
+                  <a:srgbClr val="FFFFFF"/>
+                </a:solidFill>
+                <a:latin typeface="+mj-lt"/>
+                <a:ea typeface="+mj-ea"/>
+                <a:cs typeface="+mj-cs"/>
+              </a:rPr>
+            </a:br>
+            <a:br>
+              <a:rPr lang="en-US" sz="2600" kern="1200" dirty="0">
+                <a:solidFill>
+                  <a:srgbClr val="FFFFFF"/>
+                </a:solidFill>
+                <a:latin typeface="+mj-lt"/>
+                <a:ea typeface="+mj-ea"/>
+                <a:cs typeface="+mj-cs"/>
+              </a:rPr>
+            </a:br>
+            <a:r>
+              <a:rPr lang="en-US" sz="2600" kern="1200" dirty="0">
+                <a:solidFill>
+                  <a:srgbClr val="FFFFFF"/>
+                </a:solidFill>
+                <a:latin typeface="+mj-lt"/>
+                <a:ea typeface="+mj-ea"/>
+                <a:cs typeface="+mj-cs"/>
+              </a:rPr>
+              <a:t>URS, USA and Great Britain are dominating in Gold Medal Count	</a:t>
+            </a:r>
           </a:p>
         </p:txBody>
       </p:sp>
     </p:spTree>
     <p:extLst>
       <p:ext uri="{BB962C8B-B14F-4D97-AF65-F5344CB8AC3E}">
-        <p14:creationId xmlns:p14="http://schemas.microsoft.com/office/powerpoint/2010/main" val="4197370519"/>
+        <p14:creationId xmlns:p14="http://schemas.microsoft.com/office/powerpoint/2010/main" val="1783401379"/>
       </p:ext>
     </p:extLst>
   </p:cSld>
